--- a/Front-End/React/React 개념 정리.pptx
+++ b/Front-End/React/React 개념 정리.pptx
@@ -5,10 +5,10 @@
     <p:sldMasterId id="2147483659" r:id="rId1"/>
   </p:sldMasterIdLst>
   <p:notesMasterIdLst>
-    <p:notesMasterId r:id="rId7"/>
+    <p:notesMasterId r:id="rId19"/>
   </p:notesMasterIdLst>
   <p:handoutMasterIdLst>
-    <p:handoutMasterId r:id="rId8"/>
+    <p:handoutMasterId r:id="rId20"/>
   </p:handoutMasterIdLst>
   <p:sldIdLst>
     <p:sldId id="615" r:id="rId2"/>
@@ -16,6 +16,18 @@
     <p:sldId id="1145" r:id="rId4"/>
     <p:sldId id="1152" r:id="rId5"/>
     <p:sldId id="1146" r:id="rId6"/>
+    <p:sldId id="1156" r:id="rId7"/>
+    <p:sldId id="1160" r:id="rId8"/>
+    <p:sldId id="1157" r:id="rId9"/>
+    <p:sldId id="1153" r:id="rId10"/>
+    <p:sldId id="1161" r:id="rId11"/>
+    <p:sldId id="1155" r:id="rId12"/>
+    <p:sldId id="1158" r:id="rId13"/>
+    <p:sldId id="1159" r:id="rId14"/>
+    <p:sldId id="1154" r:id="rId15"/>
+    <p:sldId id="1163" r:id="rId16"/>
+    <p:sldId id="1162" r:id="rId17"/>
+    <p:sldId id="1164" r:id="rId18"/>
   </p:sldIdLst>
   <p:sldSz cx="9144000" cy="6858000" type="screen4x3"/>
   <p:notesSz cx="6865938" cy="9998075"/>
@@ -248,7 +260,7 @@
           <a:p>
             <a:fld id="{0701E38F-D71B-4628-B377-F26FA834EB07}" type="datetimeFigureOut">
               <a:rPr lang="ko-KR" altLang="en-US" smtClean="0"/>
-              <a:t>2022-12-07</a:t>
+              <a:t>2023-02-07</a:t>
             </a:fld>
             <a:endParaRPr lang="ko-KR" altLang="en-US"/>
           </a:p>
@@ -414,7 +426,7 @@
             <a:fld id="{BC75A1C1-99F9-4ED1-B968-97F8F766565C}" type="datetimeFigureOut">
               <a:rPr lang="ko-KR" altLang="en-US" smtClean="0"/>
               <a:pPr/>
-              <a:t>2022-12-07</a:t>
+              <a:t>2023-02-07</a:t>
             </a:fld>
             <a:endParaRPr lang="ko-KR" altLang="en-US"/>
           </a:p>
@@ -2474,7 +2486,7 @@
 </p:sld>
 </file>
 
-<file path=ppt/slides/slide2.xml><?xml version="1.0" encoding="utf-8"?>
+<file path=ppt/slides/slide10.xml><?xml version="1.0" encoding="utf-8"?>
 <p:sld xmlns:a="http://schemas.openxmlformats.org/drawingml/2006/main" xmlns:r="http://schemas.openxmlformats.org/officeDocument/2006/relationships" xmlns:p="http://schemas.openxmlformats.org/presentationml/2006/main">
   <p:cSld>
     <p:spTree>
@@ -2518,7 +2530,14 @@
                 <a:latin typeface="HY헤드라인M" pitchFamily="18" charset="-127"/>
                 <a:ea typeface="HY헤드라인M" pitchFamily="18" charset="-127"/>
               </a:rPr>
-              <a:t>Routing</a:t>
+              <a:t>React </a:t>
+            </a:r>
+            <a:r>
+              <a:rPr lang="ko-KR" altLang="en-US" sz="2400" dirty="0" smtClean="0">
+                <a:latin typeface="HY헤드라인M" pitchFamily="18" charset="-127"/>
+                <a:ea typeface="HY헤드라인M" pitchFamily="18" charset="-127"/>
+              </a:rPr>
+              <a:t>환경 변수</a:t>
             </a:r>
             <a:endParaRPr lang="ko-KR" altLang="en-US" sz="2400" dirty="0">
               <a:latin typeface="HY헤드라인M" pitchFamily="18" charset="-127"/>
@@ -2601,6 +2620,3051 @@
               <a:buChar char="Ø"/>
             </a:pPr>
             <a:r>
+              <a:rPr lang="ko-KR" altLang="en-US" dirty="0" smtClean="0">
+                <a:solidFill>
+                  <a:srgbClr val="0000FF"/>
+                </a:solidFill>
+                <a:latin typeface="+mn-ea"/>
+              </a:rPr>
+              <a:t> 환경 변수 확인하기</a:t>
+            </a:r>
+            <a:endParaRPr lang="en-US" altLang="ko-KR" dirty="0">
+              <a:solidFill>
+                <a:srgbClr val="0000FF"/>
+              </a:solidFill>
+              <a:latin typeface="+mn-ea"/>
+            </a:endParaRPr>
+          </a:p>
+          <a:p>
+            <a:pPr marL="742950" lvl="1" indent="-285750" latinLnBrk="0">
+              <a:lnSpc>
+                <a:spcPct val="150000"/>
+              </a:lnSpc>
+              <a:buFont typeface="Arial" panose="020B0604020202020204" pitchFamily="34" charset="0"/>
+              <a:buChar char="•"/>
+            </a:pPr>
+            <a:r>
+              <a:rPr lang="en-US" altLang="ko-KR" sz="1400" dirty="0"/>
+              <a:t>create-react-app</a:t>
+            </a:r>
+            <a:r>
+              <a:rPr lang="ko-KR" altLang="en-US" sz="1400" dirty="0"/>
+              <a:t>에서는 </a:t>
+            </a:r>
+            <a:r>
+              <a:rPr lang="en-US" altLang="ko-KR" sz="1400" dirty="0" err="1" smtClean="0"/>
+              <a:t>autoprefixer</a:t>
+            </a:r>
+            <a:r>
+              <a:rPr lang="en-US" altLang="ko-KR" sz="1400" dirty="0" smtClean="0"/>
+              <a:t> </a:t>
+            </a:r>
+            <a:r>
+              <a:rPr lang="ko-KR" altLang="en-US" sz="1400" dirty="0"/>
+              <a:t>패키지를 통해서 벤더 접두사를 자동으로 붙인다</a:t>
+            </a:r>
+            <a:r>
+              <a:rPr lang="en-US" altLang="ko-KR" sz="1400" dirty="0" smtClean="0"/>
+              <a:t>.</a:t>
+            </a:r>
+          </a:p>
+          <a:p>
+            <a:pPr marL="742950" lvl="1" indent="-285750" latinLnBrk="0">
+              <a:lnSpc>
+                <a:spcPct val="150000"/>
+              </a:lnSpc>
+              <a:buFont typeface="Arial" panose="020B0604020202020204" pitchFamily="34" charset="0"/>
+              <a:buChar char="•"/>
+            </a:pPr>
+            <a:endParaRPr lang="en-US" altLang="ko-KR" sz="1400" dirty="0"/>
+          </a:p>
+          <a:p>
+            <a:pPr marL="285750" indent="-285750">
+              <a:lnSpc>
+                <a:spcPct val="150000"/>
+              </a:lnSpc>
+              <a:buFont typeface="Wingdings" panose="05000000000000000000" pitchFamily="2" charset="2"/>
+              <a:buChar char="Ø"/>
+            </a:pPr>
+            <a:r>
+              <a:rPr lang="ko-KR" altLang="en-US" dirty="0">
+                <a:solidFill>
+                  <a:srgbClr val="0000FF"/>
+                </a:solidFill>
+                <a:latin typeface="+mn-ea"/>
+              </a:rPr>
+              <a:t> </a:t>
+            </a:r>
+            <a:r>
+              <a:rPr lang="en-US" altLang="ko-KR" dirty="0" smtClean="0">
+                <a:solidFill>
+                  <a:srgbClr val="0000FF"/>
+                </a:solidFill>
+                <a:latin typeface="+mn-ea"/>
+              </a:rPr>
+              <a:t>cross-</a:t>
+            </a:r>
+            <a:r>
+              <a:rPr lang="en-US" altLang="ko-KR" dirty="0" err="1" smtClean="0">
+                <a:solidFill>
+                  <a:srgbClr val="0000FF"/>
+                </a:solidFill>
+                <a:latin typeface="+mn-ea"/>
+              </a:rPr>
+              <a:t>env</a:t>
+            </a:r>
+            <a:endParaRPr lang="en-US" altLang="ko-KR" dirty="0">
+              <a:solidFill>
+                <a:srgbClr val="0000FF"/>
+              </a:solidFill>
+              <a:latin typeface="+mn-ea"/>
+            </a:endParaRPr>
+          </a:p>
+          <a:p>
+            <a:pPr marL="742950" lvl="1" indent="-285750" latinLnBrk="0">
+              <a:lnSpc>
+                <a:spcPct val="150000"/>
+              </a:lnSpc>
+              <a:buFont typeface="Arial" panose="020B0604020202020204" pitchFamily="34" charset="0"/>
+              <a:buChar char="•"/>
+            </a:pPr>
+            <a:r>
+              <a:rPr lang="en-US" altLang="ko-KR" sz="1400" dirty="0">
+                <a:solidFill>
+                  <a:srgbClr val="FF0000"/>
+                </a:solidFill>
+              </a:rPr>
+              <a:t> yarn add cross-</a:t>
+            </a:r>
+            <a:r>
+              <a:rPr lang="en-US" altLang="ko-KR" sz="1400" dirty="0" err="1">
+                <a:solidFill>
+                  <a:srgbClr val="FF0000"/>
+                </a:solidFill>
+              </a:rPr>
+              <a:t>env</a:t>
+            </a:r>
+            <a:r>
+              <a:rPr lang="en-US" altLang="ko-KR" sz="1400" dirty="0">
+                <a:solidFill>
+                  <a:srgbClr val="FF0000"/>
+                </a:solidFill>
+              </a:rPr>
+              <a:t> --</a:t>
+            </a:r>
+            <a:r>
+              <a:rPr lang="en-US" altLang="ko-KR" sz="1400" dirty="0" smtClean="0">
+                <a:solidFill>
+                  <a:srgbClr val="FF0000"/>
+                </a:solidFill>
+              </a:rPr>
+              <a:t>dev</a:t>
+            </a:r>
+          </a:p>
+          <a:p>
+            <a:pPr marL="742950" lvl="1" indent="-285750" latinLnBrk="0">
+              <a:lnSpc>
+                <a:spcPct val="150000"/>
+              </a:lnSpc>
+              <a:buFont typeface="Arial" panose="020B0604020202020204" pitchFamily="34" charset="0"/>
+              <a:buChar char="•"/>
+            </a:pPr>
+            <a:r>
+              <a:rPr lang="ko-KR" altLang="en-US" sz="1400" dirty="0" smtClean="0"/>
+              <a:t>프로젝트에서 </a:t>
+            </a:r>
+            <a:r>
+              <a:rPr lang="en-US" altLang="ko-KR" sz="1400" dirty="0"/>
+              <a:t>NODE_PATH </a:t>
+            </a:r>
+            <a:r>
+              <a:rPr lang="ko-KR" altLang="en-US" sz="1400" dirty="0"/>
+              <a:t>를 사용하여 </a:t>
+            </a:r>
+            <a:r>
+              <a:rPr lang="ko-KR" altLang="en-US" sz="1400" dirty="0" err="1"/>
+              <a:t>절대경로로</a:t>
+            </a:r>
+            <a:r>
+              <a:rPr lang="ko-KR" altLang="en-US" sz="1400" dirty="0"/>
+              <a:t> 파일을 불러오기 위하여 환경 변수를 설정 할 때 운영체제마다 방식이 다르므로 공통적인 방법으로 설정 할 수 있게 해주는 라이브러리입니다</a:t>
+            </a:r>
+            <a:r>
+              <a:rPr lang="en-US" altLang="ko-KR" sz="1400" dirty="0" smtClean="0"/>
+              <a:t>.</a:t>
+            </a:r>
+          </a:p>
+          <a:p>
+            <a:pPr marL="742950" lvl="1" indent="-285750" latinLnBrk="0">
+              <a:lnSpc>
+                <a:spcPct val="150000"/>
+              </a:lnSpc>
+              <a:buFont typeface="Arial" panose="020B0604020202020204" pitchFamily="34" charset="0"/>
+              <a:buChar char="•"/>
+            </a:pPr>
+            <a:r>
+              <a:rPr lang="ko-KR" altLang="en-US" sz="1400" dirty="0"/>
+              <a:t>코드들을 불러올 때 </a:t>
+            </a:r>
+            <a:r>
+              <a:rPr lang="en-US" altLang="ko-KR" sz="1400" dirty="0" smtClean="0"/>
+              <a:t>"../components/Something" </a:t>
+            </a:r>
+            <a:r>
+              <a:rPr lang="ko-KR" altLang="en-US" sz="1400" dirty="0" smtClean="0"/>
+              <a:t>이런 식으로 </a:t>
+            </a:r>
+            <a:r>
+              <a:rPr lang="ko-KR" altLang="en-US" sz="1400" dirty="0"/>
+              <a:t>불러와야 하는 코드를 </a:t>
+            </a:r>
+            <a:r>
+              <a:rPr lang="en-US" altLang="ko-KR" sz="1400" dirty="0" smtClean="0"/>
+              <a:t>"components/Something" </a:t>
+            </a:r>
+            <a:r>
+              <a:rPr lang="ko-KR" altLang="en-US" sz="1400" dirty="0"/>
+              <a:t>이렇게 불러 올 수 있도록 프로젝트의 루트 경로를 설정한다</a:t>
+            </a:r>
+            <a:r>
+              <a:rPr lang="en-US" altLang="ko-KR" sz="1400" dirty="0"/>
+              <a:t>.</a:t>
+            </a:r>
+          </a:p>
+          <a:p>
+            <a:pPr marL="742950" lvl="1" indent="-285750" latinLnBrk="0">
+              <a:lnSpc>
+                <a:spcPct val="150000"/>
+              </a:lnSpc>
+              <a:buFont typeface="Arial" panose="020B0604020202020204" pitchFamily="34" charset="0"/>
+              <a:buChar char="•"/>
+            </a:pPr>
+            <a:r>
+              <a:rPr lang="en-US" altLang="ko-KR" sz="1400" dirty="0" err="1" smtClean="0"/>
+              <a:t>package.json</a:t>
+            </a:r>
+            <a:r>
+              <a:rPr lang="en-US" altLang="ko-KR" sz="1400" dirty="0" smtClean="0"/>
+              <a:t> </a:t>
+            </a:r>
+            <a:r>
+              <a:rPr lang="ko-KR" altLang="en-US" sz="1400" dirty="0"/>
+              <a:t>파일의 </a:t>
+            </a:r>
+            <a:r>
+              <a:rPr lang="en-US" altLang="ko-KR" sz="1400" dirty="0"/>
+              <a:t>script </a:t>
+            </a:r>
+            <a:r>
+              <a:rPr lang="ko-KR" altLang="en-US" sz="1400" dirty="0"/>
+              <a:t>부분을 수정한다</a:t>
+            </a:r>
+            <a:r>
+              <a:rPr lang="en-US" altLang="ko-KR" sz="1400" dirty="0"/>
+              <a:t>.</a:t>
+            </a:r>
+            <a:endParaRPr lang="en-US" altLang="ko-KR" sz="1400" dirty="0"/>
+          </a:p>
+        </p:txBody>
+      </p:sp>
+    </p:spTree>
+    <p:extLst>
+      <p:ext uri="{BB962C8B-B14F-4D97-AF65-F5344CB8AC3E}">
+        <p14:creationId xmlns:p14="http://schemas.microsoft.com/office/powerpoint/2010/main" val="1856860651"/>
+      </p:ext>
+    </p:extLst>
+  </p:cSld>
+  <p:clrMapOvr>
+    <a:masterClrMapping/>
+  </p:clrMapOvr>
+  <p:timing>
+    <p:tnLst>
+      <p:par>
+        <p:cTn id="1" dur="indefinite" restart="never" nodeType="tmRoot"/>
+      </p:par>
+    </p:tnLst>
+  </p:timing>
+</p:sld>
+</file>
+
+<file path=ppt/slides/slide11.xml><?xml version="1.0" encoding="utf-8"?>
+<p:sld xmlns:a="http://schemas.openxmlformats.org/drawingml/2006/main" xmlns:r="http://schemas.openxmlformats.org/officeDocument/2006/relationships" xmlns:p="http://schemas.openxmlformats.org/presentationml/2006/main">
+  <p:cSld>
+    <p:spTree>
+      <p:nvGrpSpPr>
+        <p:cNvPr id="1" name=""/>
+        <p:cNvGrpSpPr/>
+        <p:nvPr/>
+      </p:nvGrpSpPr>
+      <p:grpSpPr>
+        <a:xfrm>
+          <a:off x="0" y="0"/>
+          <a:ext cx="0" cy="0"/>
+          <a:chOff x="0" y="0"/>
+          <a:chExt cx="0" cy="0"/>
+        </a:xfrm>
+      </p:grpSpPr>
+      <p:sp>
+        <p:nvSpPr>
+          <p:cNvPr id="3" name="TextBox 2"/>
+          <p:cNvSpPr txBox="1"/>
+          <p:nvPr/>
+        </p:nvSpPr>
+        <p:spPr>
+          <a:xfrm>
+            <a:off x="548640" y="470346"/>
+            <a:ext cx="8055807" cy="461665"/>
+          </a:xfrm>
+          <a:prstGeom prst="rect">
+            <a:avLst/>
+          </a:prstGeom>
+          <a:noFill/>
+        </p:spPr>
+        <p:txBody>
+          <a:bodyPr wrap="square" rtlCol="0">
+            <a:spAutoFit/>
+          </a:bodyPr>
+          <a:lstStyle/>
+          <a:p>
+            <a:r>
+              <a:rPr lang="en-US" altLang="ko-KR" sz="2400" dirty="0" smtClean="0">
+                <a:latin typeface="HY헤드라인M" pitchFamily="18" charset="-127"/>
+                <a:ea typeface="HY헤드라인M" pitchFamily="18" charset="-127"/>
+              </a:rPr>
+              <a:t>React </a:t>
+            </a:r>
+            <a:r>
+              <a:rPr lang="ko-KR" altLang="en-US" sz="2400" dirty="0" smtClean="0">
+                <a:latin typeface="HY헤드라인M" pitchFamily="18" charset="-127"/>
+                <a:ea typeface="HY헤드라인M" pitchFamily="18" charset="-127"/>
+              </a:rPr>
+              <a:t>특징</a:t>
+            </a:r>
+            <a:endParaRPr lang="ko-KR" altLang="en-US" sz="2400" dirty="0">
+              <a:latin typeface="HY헤드라인M" pitchFamily="18" charset="-127"/>
+              <a:ea typeface="HY헤드라인M" pitchFamily="18" charset="-127"/>
+            </a:endParaRPr>
+          </a:p>
+        </p:txBody>
+      </p:sp>
+      <p:pic>
+        <p:nvPicPr>
+          <p:cNvPr id="2" name="그림 1"/>
+          <p:cNvPicPr>
+            <a:picLocks noChangeAspect="1"/>
+          </p:cNvPicPr>
+          <p:nvPr/>
+        </p:nvPicPr>
+        <p:blipFill>
+          <a:blip r:embed="rId2" cstate="print">
+            <a:extLst>
+              <a:ext uri="{28A0092B-C50C-407E-A947-70E740481C1C}">
+                <a14:useLocalDpi xmlns:a14="http://schemas.microsoft.com/office/drawing/2010/main" val="0"/>
+              </a:ext>
+            </a:extLst>
+          </a:blip>
+          <a:stretch>
+            <a:fillRect/>
+          </a:stretch>
+        </p:blipFill>
+        <p:spPr>
+          <a:xfrm>
+            <a:off x="7596744" y="2925352"/>
+            <a:ext cx="71600" cy="71600"/>
+          </a:xfrm>
+          <a:prstGeom prst="rect">
+            <a:avLst/>
+          </a:prstGeom>
+        </p:spPr>
+      </p:pic>
+      <p:sp>
+        <p:nvSpPr>
+          <p:cNvPr id="5" name="모서리가 둥근 직사각형 4"/>
+          <p:cNvSpPr/>
+          <p:nvPr/>
+        </p:nvSpPr>
+        <p:spPr>
+          <a:xfrm>
+            <a:off x="439982" y="1196752"/>
+            <a:ext cx="8164465" cy="5345844"/>
+          </a:xfrm>
+          <a:prstGeom prst="roundRect">
+            <a:avLst>
+              <a:gd name="adj" fmla="val 8134"/>
+            </a:avLst>
+          </a:prstGeom>
+          <a:ln/>
+        </p:spPr>
+        <p:style>
+          <a:lnRef idx="2">
+            <a:schemeClr val="accent1"/>
+          </a:lnRef>
+          <a:fillRef idx="1">
+            <a:schemeClr val="lt1"/>
+          </a:fillRef>
+          <a:effectRef idx="0">
+            <a:schemeClr val="accent1"/>
+          </a:effectRef>
+          <a:fontRef idx="minor">
+            <a:schemeClr val="dk1"/>
+          </a:fontRef>
+        </p:style>
+        <p:txBody>
+          <a:bodyPr rtlCol="0" anchor="t"/>
+          <a:lstStyle/>
+          <a:p>
+            <a:pPr marL="285750" indent="-285750">
+              <a:lnSpc>
+                <a:spcPct val="150000"/>
+              </a:lnSpc>
+              <a:buFont typeface="Wingdings" panose="05000000000000000000" pitchFamily="2" charset="2"/>
+              <a:buChar char="Ø"/>
+            </a:pPr>
+            <a:r>
+              <a:rPr lang="en-US" altLang="ko-KR" dirty="0" smtClean="0">
+                <a:solidFill>
+                  <a:srgbClr val="0000FF"/>
+                </a:solidFill>
+                <a:latin typeface="+mn-ea"/>
+              </a:rPr>
+              <a:t>JS </a:t>
+            </a:r>
+            <a:r>
+              <a:rPr lang="ko-KR" altLang="en-US" dirty="0" smtClean="0">
+                <a:solidFill>
+                  <a:srgbClr val="0000FF"/>
+                </a:solidFill>
+                <a:latin typeface="+mn-ea"/>
+              </a:rPr>
+              <a:t>신규 문법</a:t>
+            </a:r>
+            <a:r>
+              <a:rPr lang="ko-KR" altLang="en-US" dirty="0" smtClean="0">
+                <a:solidFill>
+                  <a:srgbClr val="0000FF"/>
+                </a:solidFill>
+                <a:latin typeface="+mn-ea"/>
+              </a:rPr>
+              <a:t> </a:t>
+            </a:r>
+            <a:r>
+              <a:rPr lang="en-US" altLang="ko-KR" dirty="0" smtClean="0">
+                <a:solidFill>
+                  <a:srgbClr val="0000FF"/>
+                </a:solidFill>
+                <a:latin typeface="+mn-ea"/>
+              </a:rPr>
+              <a:t>(Syntax)</a:t>
+            </a:r>
+          </a:p>
+          <a:p>
+            <a:pPr marL="742950" lvl="1" indent="-285750" latinLnBrk="0">
+              <a:lnSpc>
+                <a:spcPct val="150000"/>
+              </a:lnSpc>
+              <a:buFont typeface="Arial" panose="020B0604020202020204" pitchFamily="34" charset="0"/>
+              <a:buChar char="•"/>
+            </a:pPr>
+            <a:r>
+              <a:rPr lang="en-US" altLang="ko-KR" sz="1400" dirty="0" smtClean="0"/>
+              <a:t>Ex6+ </a:t>
+            </a:r>
+            <a:r>
+              <a:rPr lang="ko-KR" altLang="en-US" sz="1400" dirty="0" smtClean="0"/>
+              <a:t>문법</a:t>
+            </a:r>
+            <a:endParaRPr lang="en-US" altLang="ko-KR" sz="1400" dirty="0" smtClean="0"/>
+          </a:p>
+          <a:p>
+            <a:pPr marL="1200150" lvl="2" indent="-285750" latinLnBrk="0">
+              <a:lnSpc>
+                <a:spcPct val="150000"/>
+              </a:lnSpc>
+              <a:buFont typeface="Wingdings" panose="05000000000000000000" pitchFamily="2" charset="2"/>
+              <a:buChar char="ü"/>
+            </a:pPr>
+            <a:r>
+              <a:rPr lang="ko-KR" altLang="en-US" sz="1200" dirty="0" smtClean="0"/>
+              <a:t>지수 연산자 </a:t>
+            </a:r>
+            <a:r>
+              <a:rPr lang="en-US" altLang="ko-KR" sz="1200" dirty="0" smtClean="0"/>
+              <a:t>(Exponentiation operator)</a:t>
+            </a:r>
+          </a:p>
+          <a:p>
+            <a:pPr marL="1200150" lvl="2" indent="-285750" latinLnBrk="0">
+              <a:lnSpc>
+                <a:spcPct val="150000"/>
+              </a:lnSpc>
+              <a:buFont typeface="Wingdings" panose="05000000000000000000" pitchFamily="2" charset="2"/>
+              <a:buChar char="ü"/>
+            </a:pPr>
+            <a:r>
+              <a:rPr lang="ko-KR" altLang="en-US" sz="1200" dirty="0" smtClean="0"/>
+              <a:t>나머지 연산자 </a:t>
+            </a:r>
+            <a:r>
+              <a:rPr lang="en-US" altLang="ko-KR" sz="1200" dirty="0" smtClean="0"/>
+              <a:t>(Rest </a:t>
+            </a:r>
+            <a:r>
+              <a:rPr lang="en-US" altLang="ko-KR" sz="1200" dirty="0"/>
+              <a:t>operator</a:t>
+            </a:r>
+            <a:r>
+              <a:rPr lang="en-US" altLang="ko-KR" sz="1200" dirty="0" smtClean="0"/>
+              <a:t>)</a:t>
+            </a:r>
+          </a:p>
+          <a:p>
+            <a:pPr marL="1200150" lvl="2" indent="-285750" latinLnBrk="0">
+              <a:lnSpc>
+                <a:spcPct val="150000"/>
+              </a:lnSpc>
+              <a:buFont typeface="Wingdings" panose="05000000000000000000" pitchFamily="2" charset="2"/>
+              <a:buChar char="ü"/>
+            </a:pPr>
+            <a:r>
+              <a:rPr lang="ko-KR" altLang="en-US" sz="1200" dirty="0"/>
+              <a:t>전개 </a:t>
+            </a:r>
+            <a:r>
+              <a:rPr lang="ko-KR" altLang="en-US" sz="1200" dirty="0" smtClean="0"/>
+              <a:t>연산자 </a:t>
+            </a:r>
+            <a:r>
+              <a:rPr lang="en-US" altLang="ko-KR" sz="1200" dirty="0" smtClean="0"/>
+              <a:t>(Spread </a:t>
+            </a:r>
+            <a:r>
+              <a:rPr lang="en-US" altLang="ko-KR" sz="1200" dirty="0"/>
+              <a:t>operator</a:t>
+            </a:r>
+            <a:r>
+              <a:rPr lang="en-US" altLang="ko-KR" sz="1200" dirty="0" smtClean="0"/>
+              <a:t>)</a:t>
+            </a:r>
+          </a:p>
+          <a:p>
+            <a:pPr marL="1200150" lvl="2" indent="-285750" latinLnBrk="0">
+              <a:lnSpc>
+                <a:spcPct val="150000"/>
+              </a:lnSpc>
+              <a:buFont typeface="Wingdings" panose="05000000000000000000" pitchFamily="2" charset="2"/>
+              <a:buChar char="ü"/>
+            </a:pPr>
+            <a:r>
+              <a:rPr lang="en-US" altLang="ko-KR" sz="1200" dirty="0" smtClean="0"/>
+              <a:t>Class</a:t>
+            </a:r>
+            <a:endParaRPr lang="en-US" altLang="ko-KR" sz="1200" dirty="0"/>
+          </a:p>
+          <a:p>
+            <a:pPr marL="742950" lvl="1" indent="-285750" latinLnBrk="0">
+              <a:lnSpc>
+                <a:spcPct val="150000"/>
+              </a:lnSpc>
+              <a:buFont typeface="Arial" panose="020B0604020202020204" pitchFamily="34" charset="0"/>
+              <a:buChar char="•"/>
+            </a:pPr>
+            <a:r>
+              <a:rPr lang="ko-KR" altLang="en-US" sz="1400" dirty="0" smtClean="0"/>
+              <a:t>동적 </a:t>
+            </a:r>
+            <a:r>
+              <a:rPr lang="ko-KR" altLang="en-US" sz="1400" dirty="0" err="1" smtClean="0"/>
+              <a:t>임포트</a:t>
+            </a:r>
+            <a:r>
+              <a:rPr lang="ko-KR" altLang="en-US" sz="1400" dirty="0" smtClean="0"/>
+              <a:t> </a:t>
+            </a:r>
+            <a:r>
+              <a:rPr lang="en-US" altLang="ko-KR" sz="1400" dirty="0" smtClean="0"/>
+              <a:t>(Dynamic </a:t>
+            </a:r>
+            <a:r>
+              <a:rPr lang="en-US" altLang="ko-KR" sz="1400" dirty="0"/>
+              <a:t>import</a:t>
+            </a:r>
+            <a:r>
+              <a:rPr lang="en-US" altLang="ko-KR" sz="1400" dirty="0" smtClean="0"/>
+              <a:t>)</a:t>
+            </a:r>
+          </a:p>
+          <a:p>
+            <a:pPr marL="742950" lvl="1" indent="-285750" latinLnBrk="0">
+              <a:lnSpc>
+                <a:spcPct val="150000"/>
+              </a:lnSpc>
+              <a:buFont typeface="Arial" panose="020B0604020202020204" pitchFamily="34" charset="0"/>
+              <a:buChar char="•"/>
+            </a:pPr>
+            <a:r>
+              <a:rPr lang="en-US" altLang="ko-KR" sz="1400" dirty="0"/>
+              <a:t>HMR : hot-module-replacement</a:t>
+            </a:r>
+          </a:p>
+          <a:p>
+            <a:pPr marL="742950" lvl="1" indent="-285750" latinLnBrk="0">
+              <a:lnSpc>
+                <a:spcPct val="150000"/>
+              </a:lnSpc>
+              <a:buFont typeface="Arial" panose="020B0604020202020204" pitchFamily="34" charset="0"/>
+              <a:buChar char="•"/>
+            </a:pPr>
+            <a:r>
+              <a:rPr lang="en-US" altLang="ko-KR" sz="1400" dirty="0" smtClean="0"/>
+              <a:t>JSX </a:t>
+            </a:r>
+            <a:r>
+              <a:rPr lang="ko-KR" altLang="en-US" sz="1400" dirty="0" smtClean="0"/>
+              <a:t>문법</a:t>
+            </a:r>
+            <a:endParaRPr lang="en-US" altLang="ko-KR" sz="1400" dirty="0" smtClean="0"/>
+          </a:p>
+          <a:p>
+            <a:pPr marL="742950" lvl="1" indent="-285750" latinLnBrk="0">
+              <a:lnSpc>
+                <a:spcPct val="150000"/>
+              </a:lnSpc>
+              <a:buFont typeface="Arial" panose="020B0604020202020204" pitchFamily="34" charset="0"/>
+              <a:buChar char="•"/>
+            </a:pPr>
+            <a:r>
+              <a:rPr lang="en-US" altLang="ko-KR" sz="1400" dirty="0"/>
+              <a:t>CSS </a:t>
+            </a:r>
+            <a:r>
+              <a:rPr lang="ko-KR" altLang="en-US" sz="1400" dirty="0" smtClean="0"/>
+              <a:t>후처리</a:t>
+            </a:r>
+            <a:endParaRPr lang="en-US" altLang="ko-KR" sz="1400" dirty="0" smtClean="0"/>
+          </a:p>
+          <a:p>
+            <a:pPr marL="742950" lvl="1" indent="-285750" latinLnBrk="0">
+              <a:lnSpc>
+                <a:spcPct val="150000"/>
+              </a:lnSpc>
+              <a:buFont typeface="Arial" panose="020B0604020202020204" pitchFamily="34" charset="0"/>
+              <a:buChar char="•"/>
+            </a:pPr>
+            <a:r>
+              <a:rPr lang="en-US" altLang="ko-KR" sz="1400" dirty="0" smtClean="0"/>
+              <a:t>Jest (Test Framework)</a:t>
+            </a:r>
+            <a:endParaRPr lang="ko-KR" altLang="en-US" sz="1400" dirty="0"/>
+          </a:p>
+          <a:p>
+            <a:pPr marL="742950" lvl="1" indent="-285750" latinLnBrk="0">
+              <a:lnSpc>
+                <a:spcPct val="150000"/>
+              </a:lnSpc>
+              <a:buFont typeface="Arial" panose="020B0604020202020204" pitchFamily="34" charset="0"/>
+              <a:buChar char="•"/>
+            </a:pPr>
+            <a:r>
+              <a:rPr lang="en-US" altLang="ko-KR" sz="1400" dirty="0" smtClean="0"/>
+              <a:t>Typescript</a:t>
+            </a:r>
+            <a:r>
+              <a:rPr lang="en-US" altLang="ko-KR" sz="1400" dirty="0"/>
+              <a:t> </a:t>
+            </a:r>
+            <a:r>
+              <a:rPr lang="en-US" altLang="ko-KR" sz="1400" dirty="0" smtClean="0"/>
+              <a:t>&amp; Flow Type System</a:t>
+            </a:r>
+            <a:endParaRPr lang="en-US" altLang="ko-KR" sz="1400" dirty="0"/>
+          </a:p>
+          <a:p>
+            <a:pPr marL="742950" lvl="1" indent="-285750" latinLnBrk="0">
+              <a:lnSpc>
+                <a:spcPct val="150000"/>
+              </a:lnSpc>
+              <a:buFont typeface="Arial" panose="020B0604020202020204" pitchFamily="34" charset="0"/>
+              <a:buChar char="•"/>
+            </a:pPr>
+            <a:endParaRPr lang="en-US" altLang="ko-KR" sz="1600" dirty="0" smtClean="0"/>
+          </a:p>
+          <a:p>
+            <a:pPr marL="742950" lvl="1" indent="-285750" latinLnBrk="0">
+              <a:lnSpc>
+                <a:spcPct val="150000"/>
+              </a:lnSpc>
+              <a:buFont typeface="Arial" panose="020B0604020202020204" pitchFamily="34" charset="0"/>
+              <a:buChar char="•"/>
+            </a:pPr>
+            <a:endParaRPr lang="en-US" altLang="ko-KR" sz="1600" dirty="0" smtClean="0"/>
+          </a:p>
+          <a:p>
+            <a:pPr marL="742950" lvl="1" indent="-285750" latinLnBrk="0">
+              <a:lnSpc>
+                <a:spcPct val="150000"/>
+              </a:lnSpc>
+              <a:buFont typeface="Arial" panose="020B0604020202020204" pitchFamily="34" charset="0"/>
+              <a:buChar char="•"/>
+            </a:pPr>
+            <a:endParaRPr lang="en-US" altLang="ko-KR" sz="1400" dirty="0" smtClean="0"/>
+          </a:p>
+        </p:txBody>
+      </p:sp>
+    </p:spTree>
+    <p:extLst>
+      <p:ext uri="{BB962C8B-B14F-4D97-AF65-F5344CB8AC3E}">
+        <p14:creationId xmlns:p14="http://schemas.microsoft.com/office/powerpoint/2010/main" val="618431439"/>
+      </p:ext>
+    </p:extLst>
+  </p:cSld>
+  <p:clrMapOvr>
+    <a:masterClrMapping/>
+  </p:clrMapOvr>
+  <p:timing>
+    <p:tnLst>
+      <p:par>
+        <p:cTn id="1" dur="indefinite" restart="never" nodeType="tmRoot"/>
+      </p:par>
+    </p:tnLst>
+  </p:timing>
+</p:sld>
+</file>
+
+<file path=ppt/slides/slide12.xml><?xml version="1.0" encoding="utf-8"?>
+<p:sld xmlns:a="http://schemas.openxmlformats.org/drawingml/2006/main" xmlns:r="http://schemas.openxmlformats.org/officeDocument/2006/relationships" xmlns:p="http://schemas.openxmlformats.org/presentationml/2006/main">
+  <p:cSld>
+    <p:spTree>
+      <p:nvGrpSpPr>
+        <p:cNvPr id="1" name=""/>
+        <p:cNvGrpSpPr/>
+        <p:nvPr/>
+      </p:nvGrpSpPr>
+      <p:grpSpPr>
+        <a:xfrm>
+          <a:off x="0" y="0"/>
+          <a:ext cx="0" cy="0"/>
+          <a:chOff x="0" y="0"/>
+          <a:chExt cx="0" cy="0"/>
+        </a:xfrm>
+      </p:grpSpPr>
+      <p:sp>
+        <p:nvSpPr>
+          <p:cNvPr id="3" name="TextBox 2"/>
+          <p:cNvSpPr txBox="1"/>
+          <p:nvPr/>
+        </p:nvSpPr>
+        <p:spPr>
+          <a:xfrm>
+            <a:off x="548640" y="470346"/>
+            <a:ext cx="8055807" cy="461665"/>
+          </a:xfrm>
+          <a:prstGeom prst="rect">
+            <a:avLst/>
+          </a:prstGeom>
+          <a:noFill/>
+        </p:spPr>
+        <p:txBody>
+          <a:bodyPr wrap="square" rtlCol="0">
+            <a:spAutoFit/>
+          </a:bodyPr>
+          <a:lstStyle/>
+          <a:p>
+            <a:r>
+              <a:rPr lang="en-US" altLang="ko-KR" sz="2400" dirty="0" smtClean="0">
+                <a:latin typeface="HY헤드라인M" pitchFamily="18" charset="-127"/>
+                <a:ea typeface="HY헤드라인M" pitchFamily="18" charset="-127"/>
+              </a:rPr>
+              <a:t>React Style</a:t>
+            </a:r>
+            <a:endParaRPr lang="ko-KR" altLang="en-US" sz="2400" dirty="0">
+              <a:latin typeface="HY헤드라인M" pitchFamily="18" charset="-127"/>
+              <a:ea typeface="HY헤드라인M" pitchFamily="18" charset="-127"/>
+            </a:endParaRPr>
+          </a:p>
+        </p:txBody>
+      </p:sp>
+      <p:pic>
+        <p:nvPicPr>
+          <p:cNvPr id="2" name="그림 1"/>
+          <p:cNvPicPr>
+            <a:picLocks noChangeAspect="1"/>
+          </p:cNvPicPr>
+          <p:nvPr/>
+        </p:nvPicPr>
+        <p:blipFill>
+          <a:blip r:embed="rId2" cstate="print">
+            <a:extLst>
+              <a:ext uri="{28A0092B-C50C-407E-A947-70E740481C1C}">
+                <a14:useLocalDpi xmlns:a14="http://schemas.microsoft.com/office/drawing/2010/main" val="0"/>
+              </a:ext>
+            </a:extLst>
+          </a:blip>
+          <a:stretch>
+            <a:fillRect/>
+          </a:stretch>
+        </p:blipFill>
+        <p:spPr>
+          <a:xfrm>
+            <a:off x="7596744" y="2925352"/>
+            <a:ext cx="71600" cy="71600"/>
+          </a:xfrm>
+          <a:prstGeom prst="rect">
+            <a:avLst/>
+          </a:prstGeom>
+        </p:spPr>
+      </p:pic>
+      <p:sp>
+        <p:nvSpPr>
+          <p:cNvPr id="5" name="모서리가 둥근 직사각형 4"/>
+          <p:cNvSpPr/>
+          <p:nvPr/>
+        </p:nvSpPr>
+        <p:spPr>
+          <a:xfrm>
+            <a:off x="439982" y="1196752"/>
+            <a:ext cx="8164465" cy="5345844"/>
+          </a:xfrm>
+          <a:prstGeom prst="roundRect">
+            <a:avLst>
+              <a:gd name="adj" fmla="val 8134"/>
+            </a:avLst>
+          </a:prstGeom>
+          <a:ln/>
+        </p:spPr>
+        <p:style>
+          <a:lnRef idx="2">
+            <a:schemeClr val="accent1"/>
+          </a:lnRef>
+          <a:fillRef idx="1">
+            <a:schemeClr val="lt1"/>
+          </a:fillRef>
+          <a:effectRef idx="0">
+            <a:schemeClr val="accent1"/>
+          </a:effectRef>
+          <a:fontRef idx="minor">
+            <a:schemeClr val="dk1"/>
+          </a:fontRef>
+        </p:style>
+        <p:txBody>
+          <a:bodyPr rtlCol="0" anchor="t"/>
+          <a:lstStyle/>
+          <a:p>
+            <a:pPr marL="285750" indent="-285750">
+              <a:lnSpc>
+                <a:spcPct val="150000"/>
+              </a:lnSpc>
+              <a:buFont typeface="Wingdings" panose="05000000000000000000" pitchFamily="2" charset="2"/>
+              <a:buChar char="Ø"/>
+            </a:pPr>
+            <a:r>
+              <a:rPr lang="en-US" altLang="ko-KR" dirty="0" err="1" smtClean="0">
+                <a:solidFill>
+                  <a:srgbClr val="0000FF"/>
+                </a:solidFill>
+                <a:latin typeface="+mn-ea"/>
+              </a:rPr>
+              <a:t>css</a:t>
+            </a:r>
+            <a:r>
+              <a:rPr lang="en-US" altLang="ko-KR" dirty="0" smtClean="0">
+                <a:solidFill>
+                  <a:srgbClr val="0000FF"/>
+                </a:solidFill>
+                <a:latin typeface="+mn-ea"/>
+              </a:rPr>
+              <a:t>-in-</a:t>
+            </a:r>
+            <a:r>
+              <a:rPr lang="en-US" altLang="ko-KR" dirty="0" err="1" smtClean="0">
+                <a:solidFill>
+                  <a:srgbClr val="0000FF"/>
+                </a:solidFill>
+                <a:latin typeface="+mn-ea"/>
+              </a:rPr>
+              <a:t>js</a:t>
+            </a:r>
+            <a:endParaRPr lang="en-US" altLang="ko-KR" dirty="0">
+              <a:solidFill>
+                <a:srgbClr val="0000FF"/>
+              </a:solidFill>
+              <a:latin typeface="+mn-ea"/>
+            </a:endParaRPr>
+          </a:p>
+          <a:p>
+            <a:pPr marL="742950" lvl="1" indent="-285750" latinLnBrk="0">
+              <a:lnSpc>
+                <a:spcPct val="150000"/>
+              </a:lnSpc>
+              <a:buFont typeface="Arial" panose="020B0604020202020204" pitchFamily="34" charset="0"/>
+              <a:buChar char="•"/>
+            </a:pPr>
+            <a:r>
+              <a:rPr lang="ko-KR" altLang="en-US" sz="1400" dirty="0"/>
+              <a:t>응집도가 높은 컴포넌트를 작성하기 위해서는 </a:t>
+            </a:r>
+            <a:r>
+              <a:rPr lang="en-US" altLang="ko-KR" sz="1400" dirty="0"/>
+              <a:t>CSS </a:t>
+            </a:r>
+            <a:r>
+              <a:rPr lang="ko-KR" altLang="en-US" sz="1400" dirty="0"/>
+              <a:t>코드도 컴포넌트 내부에서 </a:t>
+            </a:r>
+            <a:r>
+              <a:rPr lang="ko-KR" altLang="en-US" sz="1400" dirty="0" smtClean="0"/>
+              <a:t>관리 하는게 </a:t>
+            </a:r>
+            <a:r>
+              <a:rPr lang="ko-KR" altLang="en-US" sz="1400" dirty="0"/>
+              <a:t>좋다</a:t>
+            </a:r>
+            <a:r>
+              <a:rPr lang="en-US" altLang="ko-KR" sz="1400" dirty="0"/>
+              <a:t>.</a:t>
+            </a:r>
+          </a:p>
+          <a:p>
+            <a:pPr marL="742950" lvl="1" indent="-285750" latinLnBrk="0">
+              <a:lnSpc>
+                <a:spcPct val="150000"/>
+              </a:lnSpc>
+              <a:buFont typeface="Arial" panose="020B0604020202020204" pitchFamily="34" charset="0"/>
+              <a:buChar char="•"/>
+            </a:pPr>
+            <a:r>
+              <a:rPr lang="en-US" altLang="ko-KR" sz="1400" dirty="0"/>
+              <a:t>npm install </a:t>
+            </a:r>
+            <a:r>
+              <a:rPr lang="en-US" altLang="ko-KR" sz="1400" dirty="0" smtClean="0"/>
+              <a:t>styled-components</a:t>
+            </a:r>
+          </a:p>
+          <a:p>
+            <a:pPr marL="742950" lvl="1" indent="-285750" latinLnBrk="0">
+              <a:lnSpc>
+                <a:spcPct val="150000"/>
+              </a:lnSpc>
+              <a:buFont typeface="Arial" panose="020B0604020202020204" pitchFamily="34" charset="0"/>
+              <a:buChar char="•"/>
+            </a:pPr>
+            <a:endParaRPr lang="en-US" altLang="ko-KR" sz="1400" dirty="0"/>
+          </a:p>
+          <a:p>
+            <a:pPr marL="285750" indent="-285750">
+              <a:lnSpc>
+                <a:spcPct val="150000"/>
+              </a:lnSpc>
+              <a:buFont typeface="Wingdings" panose="05000000000000000000" pitchFamily="2" charset="2"/>
+              <a:buChar char="Ø"/>
+            </a:pPr>
+            <a:r>
+              <a:rPr lang="en-US" altLang="ko-KR" dirty="0" err="1" smtClean="0">
+                <a:solidFill>
+                  <a:srgbClr val="0000FF"/>
+                </a:solidFill>
+                <a:latin typeface="+mn-ea"/>
+              </a:rPr>
+              <a:t>css-moudle</a:t>
+            </a:r>
+            <a:endParaRPr lang="en-US" altLang="ko-KR" dirty="0">
+              <a:solidFill>
+                <a:srgbClr val="0000FF"/>
+              </a:solidFill>
+              <a:latin typeface="+mn-ea"/>
+            </a:endParaRPr>
+          </a:p>
+          <a:p>
+            <a:pPr marL="742950" lvl="1" indent="-285750" latinLnBrk="0">
+              <a:lnSpc>
+                <a:spcPct val="150000"/>
+              </a:lnSpc>
+              <a:buFont typeface="Arial" panose="020B0604020202020204" pitchFamily="34" charset="0"/>
+              <a:buChar char="•"/>
+            </a:pPr>
+            <a:r>
+              <a:rPr lang="en-US" altLang="ko-KR" sz="1400" dirty="0" err="1" smtClean="0"/>
+              <a:t>css</a:t>
+            </a:r>
+            <a:r>
+              <a:rPr lang="en-US" altLang="ko-KR" sz="1400" dirty="0" smtClean="0"/>
+              <a:t>-module</a:t>
+            </a:r>
+            <a:r>
+              <a:rPr lang="ko-KR" altLang="en-US" sz="1400" dirty="0"/>
+              <a:t>을 사용하면 일반적인 </a:t>
+            </a:r>
+            <a:r>
+              <a:rPr lang="en-US" altLang="ko-KR" sz="1400" dirty="0"/>
+              <a:t>CSS </a:t>
+            </a:r>
+            <a:r>
+              <a:rPr lang="ko-KR" altLang="en-US" sz="1400" dirty="0"/>
+              <a:t>파일에서 </a:t>
+            </a:r>
+            <a:r>
+              <a:rPr lang="ko-KR" altLang="en-US" sz="1400" dirty="0" err="1"/>
+              <a:t>클래스명이</a:t>
+            </a:r>
+            <a:r>
+              <a:rPr lang="ko-KR" altLang="en-US" sz="1400" dirty="0"/>
+              <a:t> 충돌할 수 있는 단점을 극복할 수 있다</a:t>
+            </a:r>
+            <a:r>
+              <a:rPr lang="en-US" altLang="ko-KR" sz="1400" dirty="0" smtClean="0"/>
+              <a:t>.</a:t>
+            </a:r>
+          </a:p>
+          <a:p>
+            <a:pPr marL="742950" lvl="1" indent="-285750" latinLnBrk="0">
+              <a:lnSpc>
+                <a:spcPct val="150000"/>
+              </a:lnSpc>
+              <a:buFont typeface="Arial" panose="020B0604020202020204" pitchFamily="34" charset="0"/>
+              <a:buChar char="•"/>
+            </a:pPr>
+            <a:r>
+              <a:rPr lang="en-US" altLang="ko-KR" sz="1400" dirty="0"/>
+              <a:t>npm install </a:t>
+            </a:r>
+            <a:r>
+              <a:rPr lang="en-US" altLang="ko-KR" sz="1400" dirty="0" smtClean="0"/>
+              <a:t>classnames</a:t>
+            </a:r>
+          </a:p>
+          <a:p>
+            <a:pPr marL="742950" lvl="1" indent="-285750" latinLnBrk="0">
+              <a:lnSpc>
+                <a:spcPct val="150000"/>
+              </a:lnSpc>
+              <a:buFont typeface="Arial" panose="020B0604020202020204" pitchFamily="34" charset="0"/>
+              <a:buChar char="•"/>
+            </a:pPr>
+            <a:endParaRPr lang="en-US" altLang="ko-KR" sz="1400" dirty="0"/>
+          </a:p>
+          <a:p>
+            <a:pPr marL="285750" indent="-285750">
+              <a:lnSpc>
+                <a:spcPct val="150000"/>
+              </a:lnSpc>
+              <a:buFont typeface="Wingdings" panose="05000000000000000000" pitchFamily="2" charset="2"/>
+              <a:buChar char="Ø"/>
+            </a:pPr>
+            <a:r>
+              <a:rPr lang="en-US" altLang="ko-KR" dirty="0">
+                <a:solidFill>
+                  <a:srgbClr val="0000FF"/>
+                </a:solidFill>
+                <a:latin typeface="+mn-ea"/>
+              </a:rPr>
+              <a:t>sass-loader or node-sass</a:t>
+            </a:r>
+          </a:p>
+          <a:p>
+            <a:pPr marL="742950" lvl="1" indent="-285750" latinLnBrk="0">
+              <a:lnSpc>
+                <a:spcPct val="150000"/>
+              </a:lnSpc>
+              <a:buFont typeface="Arial" panose="020B0604020202020204" pitchFamily="34" charset="0"/>
+              <a:buChar char="•"/>
+            </a:pPr>
+            <a:r>
+              <a:rPr lang="ko-KR" altLang="en-US" sz="1400" dirty="0" smtClean="0"/>
+              <a:t>순수 </a:t>
+            </a:r>
+            <a:r>
+              <a:rPr lang="en-US" altLang="ko-KR" sz="1400" dirty="0"/>
+              <a:t>CSS </a:t>
+            </a:r>
+            <a:r>
+              <a:rPr lang="ko-KR" altLang="en-US" sz="1400" dirty="0"/>
+              <a:t>문법은 코드를 재사용하기 힘들기 때문에 </a:t>
+            </a:r>
+            <a:r>
+              <a:rPr lang="en-US" altLang="ko-KR" sz="1400" dirty="0"/>
+              <a:t>Sass(Syntactically awesome stylesheets)</a:t>
+            </a:r>
+            <a:r>
+              <a:rPr lang="ko-KR" altLang="en-US" sz="1400" dirty="0"/>
+              <a:t>를 이용한다</a:t>
+            </a:r>
+            <a:r>
+              <a:rPr lang="en-US" altLang="ko-KR" sz="1400" dirty="0"/>
+              <a:t>.</a:t>
+            </a:r>
+          </a:p>
+          <a:p>
+            <a:pPr marL="742950" lvl="1" indent="-285750" latinLnBrk="0">
+              <a:lnSpc>
+                <a:spcPct val="150000"/>
+              </a:lnSpc>
+              <a:buFont typeface="Arial" panose="020B0604020202020204" pitchFamily="34" charset="0"/>
+              <a:buChar char="•"/>
+            </a:pPr>
+            <a:r>
+              <a:rPr lang="en-US" altLang="ko-KR" sz="1400" dirty="0" smtClean="0"/>
+              <a:t>Sass</a:t>
+            </a:r>
+            <a:r>
+              <a:rPr lang="ko-KR" altLang="en-US" sz="1400" dirty="0"/>
+              <a:t>에는 변수와 믹스인</a:t>
+            </a:r>
+            <a:r>
+              <a:rPr lang="en-US" altLang="ko-KR" sz="1400" dirty="0"/>
+              <a:t>(</a:t>
+            </a:r>
+            <a:r>
+              <a:rPr lang="en-US" altLang="ko-KR" sz="1400" dirty="0" err="1"/>
+              <a:t>mixin</a:t>
+            </a:r>
+            <a:r>
+              <a:rPr lang="en-US" altLang="ko-KR" sz="1400" dirty="0"/>
+              <a:t>) </a:t>
+            </a:r>
+            <a:r>
+              <a:rPr lang="ko-KR" altLang="en-US" sz="1400" dirty="0"/>
+              <a:t>개념이 있어서 </a:t>
+            </a:r>
+            <a:r>
+              <a:rPr lang="ko-KR" altLang="en-US" sz="1400" dirty="0" smtClean="0"/>
+              <a:t>코드 중복을 </a:t>
+            </a:r>
+            <a:r>
+              <a:rPr lang="ko-KR" altLang="en-US" sz="1400" dirty="0"/>
+              <a:t>많이 줄일 수 있다</a:t>
+            </a:r>
+            <a:r>
+              <a:rPr lang="en-US" altLang="ko-KR" sz="1400" dirty="0"/>
+              <a:t>.</a:t>
+            </a:r>
+            <a:endParaRPr lang="en-US" altLang="ko-KR" sz="1200" dirty="0" smtClean="0"/>
+          </a:p>
+        </p:txBody>
+      </p:sp>
+    </p:spTree>
+    <p:extLst>
+      <p:ext uri="{BB962C8B-B14F-4D97-AF65-F5344CB8AC3E}">
+        <p14:creationId xmlns:p14="http://schemas.microsoft.com/office/powerpoint/2010/main" val="3854782589"/>
+      </p:ext>
+    </p:extLst>
+  </p:cSld>
+  <p:clrMapOvr>
+    <a:masterClrMapping/>
+  </p:clrMapOvr>
+  <p:timing>
+    <p:tnLst>
+      <p:par>
+        <p:cTn id="1" dur="indefinite" restart="never" nodeType="tmRoot"/>
+      </p:par>
+    </p:tnLst>
+  </p:timing>
+</p:sld>
+</file>
+
+<file path=ppt/slides/slide13.xml><?xml version="1.0" encoding="utf-8"?>
+<p:sld xmlns:a="http://schemas.openxmlformats.org/drawingml/2006/main" xmlns:r="http://schemas.openxmlformats.org/officeDocument/2006/relationships" xmlns:p="http://schemas.openxmlformats.org/presentationml/2006/main">
+  <p:cSld>
+    <p:spTree>
+      <p:nvGrpSpPr>
+        <p:cNvPr id="1" name=""/>
+        <p:cNvGrpSpPr/>
+        <p:nvPr/>
+      </p:nvGrpSpPr>
+      <p:grpSpPr>
+        <a:xfrm>
+          <a:off x="0" y="0"/>
+          <a:ext cx="0" cy="0"/>
+          <a:chOff x="0" y="0"/>
+          <a:chExt cx="0" cy="0"/>
+        </a:xfrm>
+      </p:grpSpPr>
+      <p:sp>
+        <p:nvSpPr>
+          <p:cNvPr id="3" name="TextBox 2"/>
+          <p:cNvSpPr txBox="1"/>
+          <p:nvPr/>
+        </p:nvSpPr>
+        <p:spPr>
+          <a:xfrm>
+            <a:off x="548640" y="470346"/>
+            <a:ext cx="8055807" cy="461665"/>
+          </a:xfrm>
+          <a:prstGeom prst="rect">
+            <a:avLst/>
+          </a:prstGeom>
+          <a:noFill/>
+        </p:spPr>
+        <p:txBody>
+          <a:bodyPr wrap="square" rtlCol="0">
+            <a:spAutoFit/>
+          </a:bodyPr>
+          <a:lstStyle/>
+          <a:p>
+            <a:r>
+              <a:rPr lang="en-US" altLang="ko-KR" sz="2400" dirty="0" smtClean="0">
+                <a:latin typeface="HY헤드라인M" pitchFamily="18" charset="-127"/>
+                <a:ea typeface="HY헤드라인M" pitchFamily="18" charset="-127"/>
+              </a:rPr>
+              <a:t>React Routing</a:t>
+            </a:r>
+            <a:endParaRPr lang="ko-KR" altLang="en-US" sz="2400" dirty="0">
+              <a:latin typeface="HY헤드라인M" pitchFamily="18" charset="-127"/>
+              <a:ea typeface="HY헤드라인M" pitchFamily="18" charset="-127"/>
+            </a:endParaRPr>
+          </a:p>
+        </p:txBody>
+      </p:sp>
+      <p:pic>
+        <p:nvPicPr>
+          <p:cNvPr id="2" name="그림 1"/>
+          <p:cNvPicPr>
+            <a:picLocks noChangeAspect="1"/>
+          </p:cNvPicPr>
+          <p:nvPr/>
+        </p:nvPicPr>
+        <p:blipFill>
+          <a:blip r:embed="rId2" cstate="print">
+            <a:extLst>
+              <a:ext uri="{28A0092B-C50C-407E-A947-70E740481C1C}">
+                <a14:useLocalDpi xmlns:a14="http://schemas.microsoft.com/office/drawing/2010/main" val="0"/>
+              </a:ext>
+            </a:extLst>
+          </a:blip>
+          <a:stretch>
+            <a:fillRect/>
+          </a:stretch>
+        </p:blipFill>
+        <p:spPr>
+          <a:xfrm>
+            <a:off x="7596744" y="2925352"/>
+            <a:ext cx="71600" cy="71600"/>
+          </a:xfrm>
+          <a:prstGeom prst="rect">
+            <a:avLst/>
+          </a:prstGeom>
+        </p:spPr>
+      </p:pic>
+      <p:sp>
+        <p:nvSpPr>
+          <p:cNvPr id="5" name="모서리가 둥근 직사각형 4"/>
+          <p:cNvSpPr/>
+          <p:nvPr/>
+        </p:nvSpPr>
+        <p:spPr>
+          <a:xfrm>
+            <a:off x="439982" y="1196752"/>
+            <a:ext cx="8164465" cy="5345844"/>
+          </a:xfrm>
+          <a:prstGeom prst="roundRect">
+            <a:avLst>
+              <a:gd name="adj" fmla="val 8134"/>
+            </a:avLst>
+          </a:prstGeom>
+          <a:ln/>
+        </p:spPr>
+        <p:style>
+          <a:lnRef idx="2">
+            <a:schemeClr val="accent1"/>
+          </a:lnRef>
+          <a:fillRef idx="1">
+            <a:schemeClr val="lt1"/>
+          </a:fillRef>
+          <a:effectRef idx="0">
+            <a:schemeClr val="accent1"/>
+          </a:effectRef>
+          <a:fontRef idx="minor">
+            <a:schemeClr val="dk1"/>
+          </a:fontRef>
+        </p:style>
+        <p:txBody>
+          <a:bodyPr rtlCol="0" anchor="t"/>
+          <a:lstStyle/>
+          <a:p>
+            <a:pPr marL="285750" indent="-285750">
+              <a:lnSpc>
+                <a:spcPct val="150000"/>
+              </a:lnSpc>
+              <a:buFont typeface="Wingdings" panose="05000000000000000000" pitchFamily="2" charset="2"/>
+              <a:buChar char="Ø"/>
+            </a:pPr>
+            <a:r>
+              <a:rPr lang="en-US" altLang="ko-KR" dirty="0">
+                <a:solidFill>
+                  <a:srgbClr val="0000FF"/>
+                </a:solidFill>
+                <a:latin typeface="+mn-ea"/>
+              </a:rPr>
+              <a:t> </a:t>
+            </a:r>
+            <a:r>
+              <a:rPr lang="en-US" altLang="ko-KR" sz="1600" dirty="0" smtClean="0">
+                <a:solidFill>
+                  <a:srgbClr val="0000FF"/>
+                </a:solidFill>
+                <a:latin typeface="+mn-ea"/>
+              </a:rPr>
+              <a:t>react-router-</a:t>
+            </a:r>
+            <a:r>
+              <a:rPr lang="en-US" altLang="ko-KR" sz="1600" dirty="0" err="1" smtClean="0">
+                <a:solidFill>
+                  <a:srgbClr val="0000FF"/>
+                </a:solidFill>
+                <a:latin typeface="+mn-ea"/>
+              </a:rPr>
+              <a:t>dom</a:t>
+            </a:r>
+            <a:endParaRPr lang="en-US" altLang="ko-KR" sz="1600" dirty="0" smtClean="0">
+              <a:solidFill>
+                <a:srgbClr val="0000FF"/>
+              </a:solidFill>
+              <a:latin typeface="+mn-ea"/>
+            </a:endParaRPr>
+          </a:p>
+          <a:p>
+            <a:pPr marL="742950" lvl="1" indent="-285750" latinLnBrk="0">
+              <a:lnSpc>
+                <a:spcPct val="150000"/>
+              </a:lnSpc>
+              <a:buFont typeface="Arial" panose="020B0604020202020204" pitchFamily="34" charset="0"/>
+              <a:buChar char="•"/>
+            </a:pPr>
+            <a:r>
+              <a:rPr lang="ko-KR" altLang="en-US" sz="1200" dirty="0" err="1"/>
+              <a:t>리액트</a:t>
+            </a:r>
+            <a:r>
+              <a:rPr lang="ko-KR" altLang="en-US" sz="1200" dirty="0"/>
+              <a:t> 애플리케이션의 페이지 전환은 단일 페이지 애플리케이션 </a:t>
+            </a:r>
+            <a:r>
+              <a:rPr lang="en-US" altLang="ko-KR" sz="1200" dirty="0"/>
+              <a:t>(SPA) </a:t>
+            </a:r>
+            <a:r>
+              <a:rPr lang="ko-KR" altLang="en-US" sz="1200" dirty="0"/>
+              <a:t>방식으로 개발하는 것이 정석이다</a:t>
+            </a:r>
+            <a:r>
+              <a:rPr lang="en-US" altLang="ko-KR" sz="1200" dirty="0"/>
+              <a:t>.</a:t>
+            </a:r>
+          </a:p>
+          <a:p>
+            <a:pPr marL="742950" lvl="1" indent="-285750" latinLnBrk="0">
+              <a:lnSpc>
+                <a:spcPct val="150000"/>
+              </a:lnSpc>
+              <a:buFont typeface="Arial" panose="020B0604020202020204" pitchFamily="34" charset="0"/>
+              <a:buChar char="•"/>
+            </a:pPr>
+            <a:r>
+              <a:rPr lang="ko-KR" altLang="en-US" sz="1200" dirty="0" smtClean="0"/>
+              <a:t>단일 </a:t>
+            </a:r>
+            <a:r>
+              <a:rPr lang="ko-KR" altLang="en-US" sz="1200" dirty="0"/>
+              <a:t>페이지 애플리케이션은 초기 요청 시 서버에서 첫 페이지를 처리하고 이후의 라우팅은 클라이언트에서 처리하는 웹 애플리케이션이다</a:t>
+            </a:r>
+            <a:r>
+              <a:rPr lang="en-US" altLang="ko-KR" sz="1200" dirty="0"/>
+              <a:t>.</a:t>
+            </a:r>
+          </a:p>
+          <a:p>
+            <a:pPr marL="742950" lvl="1" indent="-285750" latinLnBrk="0">
+              <a:lnSpc>
+                <a:spcPct val="150000"/>
+              </a:lnSpc>
+              <a:buFont typeface="Arial" panose="020B0604020202020204" pitchFamily="34" charset="0"/>
+              <a:buChar char="•"/>
+            </a:pPr>
+            <a:r>
+              <a:rPr lang="ko-KR" altLang="en-US" sz="1200" dirty="0" smtClean="0"/>
+              <a:t>전통적인 </a:t>
+            </a:r>
+            <a:r>
+              <a:rPr lang="ko-KR" altLang="en-US" sz="1200" dirty="0"/>
+              <a:t>방식의 웹 페이지는 페이지를 전환할 때마다 렌더링 결과를 서버에서 받기 때문에 화면이 깜빡이는 단점이 있다</a:t>
+            </a:r>
+            <a:r>
+              <a:rPr lang="en-US" altLang="ko-KR" sz="1200" dirty="0"/>
+              <a:t>.</a:t>
+            </a:r>
+          </a:p>
+          <a:p>
+            <a:pPr marL="742950" lvl="1" indent="-285750" latinLnBrk="0">
+              <a:lnSpc>
+                <a:spcPct val="150000"/>
+              </a:lnSpc>
+              <a:buFont typeface="Arial" panose="020B0604020202020204" pitchFamily="34" charset="0"/>
+              <a:buChar char="•"/>
+            </a:pPr>
+            <a:r>
+              <a:rPr lang="ko-KR" altLang="en-US" sz="1200" dirty="0" smtClean="0"/>
+              <a:t>단일 </a:t>
+            </a:r>
+            <a:r>
+              <a:rPr lang="ko-KR" altLang="en-US" sz="1200" dirty="0"/>
+              <a:t>페이지 애플리케이션은 페이지 전환에 의한 렌더링을 클라이언트에서 처리하기 때문에 마치 </a:t>
+            </a:r>
+            <a:r>
+              <a:rPr lang="ko-KR" altLang="en-US" sz="1200" dirty="0" err="1"/>
+              <a:t>네이티브</a:t>
+            </a:r>
+            <a:r>
+              <a:rPr lang="ko-KR" altLang="en-US" sz="1200" dirty="0"/>
+              <a:t> 애플리케이션처럼 자연스럽게 동작한다</a:t>
+            </a:r>
+            <a:r>
+              <a:rPr lang="en-US" altLang="ko-KR" sz="1200" dirty="0" smtClean="0"/>
+              <a:t>.</a:t>
+            </a:r>
+          </a:p>
+          <a:p>
+            <a:pPr marL="742950" lvl="1" indent="-285750" latinLnBrk="0">
+              <a:lnSpc>
+                <a:spcPct val="150000"/>
+              </a:lnSpc>
+              <a:buFont typeface="Arial" panose="020B0604020202020204" pitchFamily="34" charset="0"/>
+              <a:buChar char="•"/>
+            </a:pPr>
+            <a:endParaRPr lang="en-US" altLang="ko-KR" sz="1200" dirty="0" smtClean="0"/>
+          </a:p>
+          <a:p>
+            <a:pPr marL="285750" indent="-285750">
+              <a:lnSpc>
+                <a:spcPct val="150000"/>
+              </a:lnSpc>
+              <a:buFont typeface="Wingdings" panose="05000000000000000000" pitchFamily="2" charset="2"/>
+              <a:buChar char="Ø"/>
+            </a:pPr>
+            <a:r>
+              <a:rPr lang="ko-KR" altLang="en-US" sz="1600" dirty="0" smtClean="0">
+                <a:solidFill>
+                  <a:srgbClr val="0000FF"/>
+                </a:solidFill>
+                <a:latin typeface="+mn-ea"/>
+              </a:rPr>
+              <a:t>브라우저 </a:t>
+            </a:r>
+            <a:r>
+              <a:rPr lang="ko-KR" altLang="en-US" sz="1600" dirty="0" err="1" smtClean="0">
+                <a:solidFill>
+                  <a:srgbClr val="0000FF"/>
+                </a:solidFill>
+                <a:latin typeface="+mn-ea"/>
+              </a:rPr>
+              <a:t>히스토리</a:t>
+            </a:r>
+            <a:r>
+              <a:rPr lang="ko-KR" altLang="en-US" sz="1600" dirty="0" smtClean="0">
+                <a:solidFill>
+                  <a:srgbClr val="0000FF"/>
+                </a:solidFill>
+                <a:latin typeface="+mn-ea"/>
+              </a:rPr>
+              <a:t> </a:t>
+            </a:r>
+            <a:r>
+              <a:rPr lang="en-US" altLang="ko-KR" sz="1600" dirty="0" smtClean="0">
+                <a:solidFill>
+                  <a:srgbClr val="0000FF"/>
+                </a:solidFill>
+                <a:latin typeface="+mn-ea"/>
+              </a:rPr>
+              <a:t>API</a:t>
+            </a:r>
+            <a:endParaRPr lang="en-US" altLang="ko-KR" sz="1600" dirty="0">
+              <a:solidFill>
+                <a:srgbClr val="0000FF"/>
+              </a:solidFill>
+              <a:latin typeface="+mn-ea"/>
+            </a:endParaRPr>
+          </a:p>
+          <a:p>
+            <a:pPr marL="742950" lvl="1" indent="-285750" latinLnBrk="0">
+              <a:lnSpc>
+                <a:spcPct val="150000"/>
+              </a:lnSpc>
+              <a:buFont typeface="Arial" panose="020B0604020202020204" pitchFamily="34" charset="0"/>
+              <a:buChar char="•"/>
+            </a:pPr>
+            <a:r>
+              <a:rPr lang="en-US" altLang="ko-KR" sz="1200" dirty="0" err="1" smtClean="0"/>
+              <a:t>useEffect</a:t>
+            </a:r>
+            <a:r>
+              <a:rPr lang="en-US" altLang="ko-KR" sz="1200" dirty="0" smtClean="0"/>
+              <a:t> </a:t>
+            </a:r>
+            <a:r>
+              <a:rPr lang="ko-KR" altLang="en-US" sz="1200" dirty="0"/>
+              <a:t>함수는 이벤트 </a:t>
+            </a:r>
+            <a:r>
+              <a:rPr lang="ko-KR" altLang="en-US" sz="1200" dirty="0" err="1"/>
+              <a:t>핸들러를</a:t>
+            </a:r>
+            <a:r>
+              <a:rPr lang="ko-KR" altLang="en-US" sz="1200" dirty="0"/>
+              <a:t> 등록하거나 </a:t>
+            </a:r>
+            <a:r>
+              <a:rPr lang="en-US" altLang="ko-KR" sz="1200" dirty="0"/>
+              <a:t>API</a:t>
+            </a:r>
+            <a:r>
+              <a:rPr lang="ko-KR" altLang="en-US" sz="1200" dirty="0"/>
+              <a:t>를 호출하는 등의 부수 효과를 처리할 때 사용하는 훅이다</a:t>
+            </a:r>
+            <a:r>
+              <a:rPr lang="en-US" altLang="ko-KR" sz="1200" dirty="0"/>
+              <a:t>.</a:t>
+            </a:r>
+          </a:p>
+          <a:p>
+            <a:pPr marL="742950" lvl="1" indent="-285750" latinLnBrk="0">
+              <a:lnSpc>
+                <a:spcPct val="150000"/>
+              </a:lnSpc>
+              <a:buFont typeface="Arial" panose="020B0604020202020204" pitchFamily="34" charset="0"/>
+              <a:buChar char="•"/>
+            </a:pPr>
+            <a:r>
+              <a:rPr lang="ko-KR" altLang="en-US" sz="1200" dirty="0" smtClean="0"/>
+              <a:t>여기에서는 </a:t>
+            </a:r>
+            <a:r>
+              <a:rPr lang="ko-KR" altLang="en-US" sz="1200" dirty="0"/>
+              <a:t>컴포넌트가 </a:t>
+            </a:r>
+            <a:r>
+              <a:rPr lang="ko-KR" altLang="en-US" sz="1200" dirty="0" err="1"/>
+              <a:t>마운트된</a:t>
+            </a:r>
+            <a:r>
+              <a:rPr lang="ko-KR" altLang="en-US" sz="1200" dirty="0"/>
+              <a:t> 후에 </a:t>
+            </a:r>
+            <a:r>
+              <a:rPr lang="en-US" altLang="ko-KR" sz="1200" dirty="0" err="1"/>
+              <a:t>popstate</a:t>
+            </a:r>
+            <a:r>
+              <a:rPr lang="en-US" altLang="ko-KR" sz="1200" dirty="0"/>
+              <a:t> </a:t>
+            </a:r>
+            <a:r>
+              <a:rPr lang="ko-KR" altLang="en-US" sz="1200" dirty="0"/>
+              <a:t>이벤트 </a:t>
+            </a:r>
+            <a:r>
+              <a:rPr lang="ko-KR" altLang="en-US" sz="1200" dirty="0" err="1"/>
+              <a:t>핸들러를</a:t>
+            </a:r>
+            <a:r>
+              <a:rPr lang="ko-KR" altLang="en-US" sz="1200" dirty="0"/>
+              <a:t> 등록하는 용도로 사용했다</a:t>
+            </a:r>
+            <a:r>
+              <a:rPr lang="en-US" altLang="ko-KR" sz="1200" dirty="0"/>
+              <a:t>.</a:t>
+            </a:r>
+          </a:p>
+          <a:p>
+            <a:pPr marL="742950" lvl="1" indent="-285750" latinLnBrk="0">
+              <a:lnSpc>
+                <a:spcPct val="150000"/>
+              </a:lnSpc>
+              <a:buFont typeface="Arial" panose="020B0604020202020204" pitchFamily="34" charset="0"/>
+              <a:buChar char="•"/>
+            </a:pPr>
+            <a:r>
+              <a:rPr lang="en-US" altLang="ko-KR" sz="1200" dirty="0" err="1" smtClean="0"/>
+              <a:t>popstate</a:t>
+            </a:r>
+            <a:r>
+              <a:rPr lang="en-US" altLang="ko-KR" sz="1200" dirty="0" smtClean="0"/>
+              <a:t> </a:t>
+            </a:r>
+            <a:r>
+              <a:rPr lang="ko-KR" altLang="en-US" sz="1200" dirty="0"/>
+              <a:t>이벤트가 발생하면 페이지를 전환한다는 의미이다</a:t>
+            </a:r>
+            <a:r>
+              <a:rPr lang="en-US" altLang="ko-KR" sz="1200" dirty="0"/>
+              <a:t>.</a:t>
+            </a:r>
+          </a:p>
+          <a:p>
+            <a:pPr marL="742950" lvl="1" indent="-285750" latinLnBrk="0">
+              <a:lnSpc>
+                <a:spcPct val="150000"/>
+              </a:lnSpc>
+              <a:buFont typeface="Arial" panose="020B0604020202020204" pitchFamily="34" charset="0"/>
+              <a:buChar char="•"/>
+            </a:pPr>
+            <a:r>
+              <a:rPr lang="en-US" altLang="ko-KR" sz="1200" dirty="0" err="1" smtClean="0"/>
+              <a:t>replaceState</a:t>
+            </a:r>
+            <a:r>
+              <a:rPr lang="en-US" altLang="ko-KR" sz="1200" dirty="0" smtClean="0"/>
+              <a:t> </a:t>
+            </a:r>
+            <a:r>
+              <a:rPr lang="ko-KR" altLang="en-US" sz="1200" dirty="0"/>
+              <a:t>함수는 </a:t>
+            </a:r>
+            <a:r>
+              <a:rPr lang="en-US" altLang="ko-KR" sz="1200" dirty="0" err="1"/>
+              <a:t>pushState</a:t>
+            </a:r>
+            <a:r>
+              <a:rPr lang="ko-KR" altLang="en-US" sz="1200" dirty="0"/>
+              <a:t>와 거의 같지만 스택에 </a:t>
+            </a:r>
+            <a:r>
+              <a:rPr lang="en-US" altLang="ko-KR" sz="1200" dirty="0"/>
+              <a:t>state</a:t>
+            </a:r>
+            <a:r>
+              <a:rPr lang="ko-KR" altLang="en-US" sz="1200" dirty="0"/>
+              <a:t>를 쌓지 않고 가장 최신의 </a:t>
+            </a:r>
+            <a:r>
+              <a:rPr lang="en-US" altLang="ko-KR" sz="1200" dirty="0"/>
+              <a:t>state</a:t>
+            </a:r>
+            <a:r>
+              <a:rPr lang="ko-KR" altLang="en-US" sz="1200" dirty="0"/>
+              <a:t>를 대체한다</a:t>
+            </a:r>
+            <a:r>
+              <a:rPr lang="en-US" altLang="ko-KR" sz="1200" dirty="0"/>
+              <a:t>.</a:t>
+            </a:r>
+            <a:endParaRPr lang="en-US" altLang="ko-KR" sz="1100" dirty="0" smtClean="0"/>
+          </a:p>
+        </p:txBody>
+      </p:sp>
+    </p:spTree>
+    <p:extLst>
+      <p:ext uri="{BB962C8B-B14F-4D97-AF65-F5344CB8AC3E}">
+        <p14:creationId xmlns:p14="http://schemas.microsoft.com/office/powerpoint/2010/main" val="3906835951"/>
+      </p:ext>
+    </p:extLst>
+  </p:cSld>
+  <p:clrMapOvr>
+    <a:masterClrMapping/>
+  </p:clrMapOvr>
+  <p:timing>
+    <p:tnLst>
+      <p:par>
+        <p:cTn id="1" dur="indefinite" restart="never" nodeType="tmRoot"/>
+      </p:par>
+    </p:tnLst>
+  </p:timing>
+</p:sld>
+</file>
+
+<file path=ppt/slides/slide14.xml><?xml version="1.0" encoding="utf-8"?>
+<p:sld xmlns:a="http://schemas.openxmlformats.org/drawingml/2006/main" xmlns:r="http://schemas.openxmlformats.org/officeDocument/2006/relationships" xmlns:p="http://schemas.openxmlformats.org/presentationml/2006/main">
+  <p:cSld>
+    <p:spTree>
+      <p:nvGrpSpPr>
+        <p:cNvPr id="1" name=""/>
+        <p:cNvGrpSpPr/>
+        <p:nvPr/>
+      </p:nvGrpSpPr>
+      <p:grpSpPr>
+        <a:xfrm>
+          <a:off x="0" y="0"/>
+          <a:ext cx="0" cy="0"/>
+          <a:chOff x="0" y="0"/>
+          <a:chExt cx="0" cy="0"/>
+        </a:xfrm>
+      </p:grpSpPr>
+      <p:sp>
+        <p:nvSpPr>
+          <p:cNvPr id="3" name="TextBox 2"/>
+          <p:cNvSpPr txBox="1"/>
+          <p:nvPr/>
+        </p:nvSpPr>
+        <p:spPr>
+          <a:xfrm>
+            <a:off x="548640" y="470346"/>
+            <a:ext cx="8055807" cy="461665"/>
+          </a:xfrm>
+          <a:prstGeom prst="rect">
+            <a:avLst/>
+          </a:prstGeom>
+          <a:noFill/>
+        </p:spPr>
+        <p:txBody>
+          <a:bodyPr wrap="square" rtlCol="0">
+            <a:spAutoFit/>
+          </a:bodyPr>
+          <a:lstStyle/>
+          <a:p>
+            <a:r>
+              <a:rPr lang="en-US" altLang="ko-KR" sz="2400" dirty="0" smtClean="0">
+                <a:latin typeface="HY헤드라인M" pitchFamily="18" charset="-127"/>
+                <a:ea typeface="HY헤드라인M" pitchFamily="18" charset="-127"/>
+              </a:rPr>
+              <a:t>React </a:t>
+            </a:r>
+            <a:r>
+              <a:rPr lang="ko-KR" altLang="en-US" sz="2400" dirty="0" smtClean="0">
+                <a:latin typeface="HY헤드라인M" pitchFamily="18" charset="-127"/>
+                <a:ea typeface="HY헤드라인M" pitchFamily="18" charset="-127"/>
+              </a:rPr>
+              <a:t>테스트</a:t>
+            </a:r>
+            <a:endParaRPr lang="ko-KR" altLang="en-US" sz="2400" dirty="0">
+              <a:latin typeface="HY헤드라인M" pitchFamily="18" charset="-127"/>
+              <a:ea typeface="HY헤드라인M" pitchFamily="18" charset="-127"/>
+            </a:endParaRPr>
+          </a:p>
+        </p:txBody>
+      </p:sp>
+      <p:pic>
+        <p:nvPicPr>
+          <p:cNvPr id="2" name="그림 1"/>
+          <p:cNvPicPr>
+            <a:picLocks noChangeAspect="1"/>
+          </p:cNvPicPr>
+          <p:nvPr/>
+        </p:nvPicPr>
+        <p:blipFill>
+          <a:blip r:embed="rId2" cstate="print">
+            <a:extLst>
+              <a:ext uri="{28A0092B-C50C-407E-A947-70E740481C1C}">
+                <a14:useLocalDpi xmlns:a14="http://schemas.microsoft.com/office/drawing/2010/main" val="0"/>
+              </a:ext>
+            </a:extLst>
+          </a:blip>
+          <a:stretch>
+            <a:fillRect/>
+          </a:stretch>
+        </p:blipFill>
+        <p:spPr>
+          <a:xfrm>
+            <a:off x="7596744" y="2925352"/>
+            <a:ext cx="71600" cy="71600"/>
+          </a:xfrm>
+          <a:prstGeom prst="rect">
+            <a:avLst/>
+          </a:prstGeom>
+        </p:spPr>
+      </p:pic>
+      <p:sp>
+        <p:nvSpPr>
+          <p:cNvPr id="5" name="모서리가 둥근 직사각형 4"/>
+          <p:cNvSpPr/>
+          <p:nvPr/>
+        </p:nvSpPr>
+        <p:spPr>
+          <a:xfrm>
+            <a:off x="439982" y="1196752"/>
+            <a:ext cx="8164465" cy="5345844"/>
+          </a:xfrm>
+          <a:prstGeom prst="roundRect">
+            <a:avLst>
+              <a:gd name="adj" fmla="val 8134"/>
+            </a:avLst>
+          </a:prstGeom>
+          <a:ln/>
+        </p:spPr>
+        <p:style>
+          <a:lnRef idx="2">
+            <a:schemeClr val="accent1"/>
+          </a:lnRef>
+          <a:fillRef idx="1">
+            <a:schemeClr val="lt1"/>
+          </a:fillRef>
+          <a:effectRef idx="0">
+            <a:schemeClr val="accent1"/>
+          </a:effectRef>
+          <a:fontRef idx="minor">
+            <a:schemeClr val="dk1"/>
+          </a:fontRef>
+        </p:style>
+        <p:txBody>
+          <a:bodyPr rtlCol="0" anchor="t"/>
+          <a:lstStyle/>
+          <a:p>
+            <a:pPr marL="285750" indent="-285750">
+              <a:lnSpc>
+                <a:spcPct val="150000"/>
+              </a:lnSpc>
+              <a:buFont typeface="Wingdings" panose="05000000000000000000" pitchFamily="2" charset="2"/>
+              <a:buChar char="Ø"/>
+            </a:pPr>
+            <a:r>
+              <a:rPr lang="en-US" altLang="ko-KR" sz="2000" dirty="0">
+                <a:solidFill>
+                  <a:srgbClr val="0000FF"/>
+                </a:solidFill>
+                <a:latin typeface="+mn-ea"/>
+              </a:rPr>
+              <a:t> </a:t>
+            </a:r>
+            <a:r>
+              <a:rPr lang="en-US" altLang="ko-KR" sz="2000" dirty="0" smtClean="0">
+                <a:solidFill>
+                  <a:srgbClr val="0000FF"/>
+                </a:solidFill>
+                <a:latin typeface="+mn-ea"/>
+              </a:rPr>
+              <a:t>jest</a:t>
+            </a:r>
+          </a:p>
+          <a:p>
+            <a:pPr marL="742950" lvl="1" indent="-285750" latinLnBrk="0">
+              <a:lnSpc>
+                <a:spcPct val="150000"/>
+              </a:lnSpc>
+              <a:buFont typeface="Arial" panose="020B0604020202020204" pitchFamily="34" charset="0"/>
+              <a:buChar char="•"/>
+            </a:pPr>
+            <a:r>
+              <a:rPr lang="en-US" altLang="ko-KR" sz="1600" dirty="0" smtClean="0"/>
+              <a:t>create-react-app</a:t>
+            </a:r>
+            <a:r>
+              <a:rPr lang="ko-KR" altLang="en-US" sz="1600" dirty="0"/>
+              <a:t>에는 </a:t>
+            </a:r>
+            <a:r>
+              <a:rPr lang="en-US" altLang="ko-KR" sz="1600" dirty="0" smtClean="0"/>
+              <a:t>jest</a:t>
+            </a:r>
+            <a:r>
+              <a:rPr lang="ko-KR" altLang="en-US" sz="1600" dirty="0" smtClean="0"/>
+              <a:t>라는 </a:t>
+            </a:r>
+            <a:r>
+              <a:rPr lang="ko-KR" altLang="en-US" sz="1600" dirty="0"/>
+              <a:t>테스트 프레임워크를 기반으로 테스트 시스템에 구축된다</a:t>
+            </a:r>
+            <a:r>
+              <a:rPr lang="en-US" altLang="ko-KR" sz="1600" dirty="0" smtClean="0"/>
+              <a:t>.</a:t>
+            </a:r>
+          </a:p>
+          <a:p>
+            <a:pPr marL="742950" lvl="1" indent="-285750" latinLnBrk="0">
+              <a:lnSpc>
+                <a:spcPct val="150000"/>
+              </a:lnSpc>
+              <a:buFont typeface="Arial" panose="020B0604020202020204" pitchFamily="34" charset="0"/>
+              <a:buChar char="•"/>
+            </a:pPr>
+            <a:r>
+              <a:rPr lang="en-US" altLang="ko-KR" sz="1600" dirty="0" smtClean="0"/>
+              <a:t>npm test --coverage</a:t>
+            </a:r>
+            <a:endParaRPr lang="en-US" altLang="ko-KR" sz="1600" dirty="0" smtClean="0"/>
+          </a:p>
+          <a:p>
+            <a:pPr marL="742950" lvl="1" indent="-285750" latinLnBrk="0">
+              <a:lnSpc>
+                <a:spcPct val="150000"/>
+              </a:lnSpc>
+              <a:buFont typeface="Arial" panose="020B0604020202020204" pitchFamily="34" charset="0"/>
+              <a:buChar char="•"/>
+            </a:pPr>
+            <a:endParaRPr lang="en-US" altLang="ko-KR" sz="1400" dirty="0" smtClean="0"/>
+          </a:p>
+        </p:txBody>
+      </p:sp>
+    </p:spTree>
+    <p:extLst>
+      <p:ext uri="{BB962C8B-B14F-4D97-AF65-F5344CB8AC3E}">
+        <p14:creationId xmlns:p14="http://schemas.microsoft.com/office/powerpoint/2010/main" val="2699007921"/>
+      </p:ext>
+    </p:extLst>
+  </p:cSld>
+  <p:clrMapOvr>
+    <a:masterClrMapping/>
+  </p:clrMapOvr>
+  <p:timing>
+    <p:tnLst>
+      <p:par>
+        <p:cTn id="1" dur="indefinite" restart="never" nodeType="tmRoot"/>
+      </p:par>
+    </p:tnLst>
+  </p:timing>
+</p:sld>
+</file>
+
+<file path=ppt/slides/slide15.xml><?xml version="1.0" encoding="utf-8"?>
+<p:sld xmlns:a="http://schemas.openxmlformats.org/drawingml/2006/main" xmlns:r="http://schemas.openxmlformats.org/officeDocument/2006/relationships" xmlns:p="http://schemas.openxmlformats.org/presentationml/2006/main">
+  <p:cSld>
+    <p:spTree>
+      <p:nvGrpSpPr>
+        <p:cNvPr id="1" name=""/>
+        <p:cNvGrpSpPr/>
+        <p:nvPr/>
+      </p:nvGrpSpPr>
+      <p:grpSpPr>
+        <a:xfrm>
+          <a:off x="0" y="0"/>
+          <a:ext cx="0" cy="0"/>
+          <a:chOff x="0" y="0"/>
+          <a:chExt cx="0" cy="0"/>
+        </a:xfrm>
+      </p:grpSpPr>
+      <p:sp>
+        <p:nvSpPr>
+          <p:cNvPr id="3" name="TextBox 2"/>
+          <p:cNvSpPr txBox="1"/>
+          <p:nvPr/>
+        </p:nvSpPr>
+        <p:spPr>
+          <a:xfrm>
+            <a:off x="548640" y="470346"/>
+            <a:ext cx="8055807" cy="461665"/>
+          </a:xfrm>
+          <a:prstGeom prst="rect">
+            <a:avLst/>
+          </a:prstGeom>
+          <a:noFill/>
+        </p:spPr>
+        <p:txBody>
+          <a:bodyPr wrap="square" rtlCol="0">
+            <a:spAutoFit/>
+          </a:bodyPr>
+          <a:lstStyle/>
+          <a:p>
+            <a:r>
+              <a:rPr lang="en-US" altLang="ko-KR" sz="2400" dirty="0" smtClean="0">
+                <a:latin typeface="HY헤드라인M" pitchFamily="18" charset="-127"/>
+                <a:ea typeface="HY헤드라인M" pitchFamily="18" charset="-127"/>
+              </a:rPr>
+              <a:t>React </a:t>
+            </a:r>
+            <a:r>
+              <a:rPr lang="en-US" altLang="ko-KR" sz="2400" dirty="0" err="1" smtClean="0">
+                <a:latin typeface="HY헤드라인M" pitchFamily="18" charset="-127"/>
+                <a:ea typeface="HY헤드라인M" pitchFamily="18" charset="-127"/>
+              </a:rPr>
+              <a:t>Redux</a:t>
+            </a:r>
+            <a:endParaRPr lang="ko-KR" altLang="en-US" sz="2400" dirty="0">
+              <a:latin typeface="HY헤드라인M" pitchFamily="18" charset="-127"/>
+              <a:ea typeface="HY헤드라인M" pitchFamily="18" charset="-127"/>
+            </a:endParaRPr>
+          </a:p>
+        </p:txBody>
+      </p:sp>
+      <p:pic>
+        <p:nvPicPr>
+          <p:cNvPr id="2" name="그림 1"/>
+          <p:cNvPicPr>
+            <a:picLocks noChangeAspect="1"/>
+          </p:cNvPicPr>
+          <p:nvPr/>
+        </p:nvPicPr>
+        <p:blipFill>
+          <a:blip r:embed="rId2" cstate="print">
+            <a:extLst>
+              <a:ext uri="{28A0092B-C50C-407E-A947-70E740481C1C}">
+                <a14:useLocalDpi xmlns:a14="http://schemas.microsoft.com/office/drawing/2010/main" val="0"/>
+              </a:ext>
+            </a:extLst>
+          </a:blip>
+          <a:stretch>
+            <a:fillRect/>
+          </a:stretch>
+        </p:blipFill>
+        <p:spPr>
+          <a:xfrm>
+            <a:off x="7596744" y="2925352"/>
+            <a:ext cx="71600" cy="71600"/>
+          </a:xfrm>
+          <a:prstGeom prst="rect">
+            <a:avLst/>
+          </a:prstGeom>
+        </p:spPr>
+      </p:pic>
+      <p:sp>
+        <p:nvSpPr>
+          <p:cNvPr id="5" name="모서리가 둥근 직사각형 4"/>
+          <p:cNvSpPr/>
+          <p:nvPr/>
+        </p:nvSpPr>
+        <p:spPr>
+          <a:xfrm>
+            <a:off x="439982" y="1196752"/>
+            <a:ext cx="8164465" cy="5345844"/>
+          </a:xfrm>
+          <a:prstGeom prst="roundRect">
+            <a:avLst>
+              <a:gd name="adj" fmla="val 8134"/>
+            </a:avLst>
+          </a:prstGeom>
+          <a:ln/>
+        </p:spPr>
+        <p:style>
+          <a:lnRef idx="2">
+            <a:schemeClr val="accent1"/>
+          </a:lnRef>
+          <a:fillRef idx="1">
+            <a:schemeClr val="lt1"/>
+          </a:fillRef>
+          <a:effectRef idx="0">
+            <a:schemeClr val="accent1"/>
+          </a:effectRef>
+          <a:fontRef idx="minor">
+            <a:schemeClr val="dk1"/>
+          </a:fontRef>
+        </p:style>
+        <p:txBody>
+          <a:bodyPr rtlCol="0" anchor="t"/>
+          <a:lstStyle/>
+          <a:p>
+            <a:pPr marL="285750" indent="-285750">
+              <a:lnSpc>
+                <a:spcPct val="150000"/>
+              </a:lnSpc>
+              <a:buFont typeface="Wingdings" panose="05000000000000000000" pitchFamily="2" charset="2"/>
+              <a:buChar char="Ø"/>
+            </a:pPr>
+            <a:r>
+              <a:rPr lang="en-US" altLang="ko-KR" sz="2000" dirty="0">
+                <a:solidFill>
+                  <a:srgbClr val="0000FF"/>
+                </a:solidFill>
+                <a:latin typeface="+mn-ea"/>
+              </a:rPr>
+              <a:t> </a:t>
+            </a:r>
+            <a:r>
+              <a:rPr lang="en-US" altLang="ko-KR" sz="2000" dirty="0" smtClean="0">
+                <a:solidFill>
+                  <a:srgbClr val="0000FF"/>
+                </a:solidFill>
+                <a:latin typeface="+mn-ea"/>
+              </a:rPr>
+              <a:t>Middleware</a:t>
+            </a:r>
+          </a:p>
+          <a:p>
+            <a:pPr marL="742950" lvl="1" indent="-285750">
+              <a:lnSpc>
+                <a:spcPct val="150000"/>
+              </a:lnSpc>
+              <a:buFont typeface="Arial" panose="020B0604020202020204" pitchFamily="34" charset="0"/>
+              <a:buChar char="•"/>
+            </a:pPr>
+            <a:r>
+              <a:rPr lang="ko-KR" altLang="en-US" sz="1400" dirty="0" err="1"/>
+              <a:t>미들웨어는</a:t>
+            </a:r>
+            <a:r>
+              <a:rPr lang="en-US" altLang="ko-KR" sz="1400" dirty="0"/>
+              <a:t>, </a:t>
+            </a:r>
+            <a:r>
+              <a:rPr lang="ko-KR" altLang="en-US" sz="1400" dirty="0"/>
+              <a:t>액션이 </a:t>
+            </a:r>
+            <a:r>
+              <a:rPr lang="ko-KR" altLang="en-US" sz="1400" dirty="0" err="1"/>
+              <a:t>디스패치</a:t>
+            </a:r>
+            <a:r>
+              <a:rPr lang="en-US" altLang="ko-KR" sz="1400" dirty="0"/>
+              <a:t>(dispatch) </a:t>
+            </a:r>
+            <a:r>
+              <a:rPr lang="ko-KR" altLang="en-US" sz="1400" dirty="0"/>
+              <a:t>되어서 </a:t>
+            </a:r>
+            <a:r>
+              <a:rPr lang="ko-KR" altLang="en-US" sz="1400" dirty="0" err="1"/>
+              <a:t>리듀서에서</a:t>
+            </a:r>
+            <a:r>
+              <a:rPr lang="ko-KR" altLang="en-US" sz="1400" dirty="0"/>
+              <a:t> 이를 처리하기전에 사전에 지정된 작업들을 설정합니다</a:t>
+            </a:r>
+            <a:r>
+              <a:rPr lang="en-US" altLang="ko-KR" sz="1400" dirty="0"/>
+              <a:t>.</a:t>
+            </a:r>
+          </a:p>
+          <a:p>
+            <a:pPr marL="742950" lvl="1" indent="-285750">
+              <a:lnSpc>
+                <a:spcPct val="150000"/>
+              </a:lnSpc>
+              <a:buFont typeface="Arial" panose="020B0604020202020204" pitchFamily="34" charset="0"/>
+              <a:buChar char="•"/>
+            </a:pPr>
+            <a:r>
+              <a:rPr lang="ko-KR" altLang="en-US" sz="1400" dirty="0" err="1" smtClean="0"/>
+              <a:t>미들웨어를</a:t>
+            </a:r>
+            <a:r>
+              <a:rPr lang="ko-KR" altLang="en-US" sz="1400" dirty="0" smtClean="0"/>
+              <a:t> </a:t>
+            </a:r>
+            <a:r>
+              <a:rPr lang="ko-KR" altLang="en-US" sz="1400" dirty="0"/>
+              <a:t>액션과 </a:t>
+            </a:r>
+            <a:r>
+              <a:rPr lang="ko-KR" altLang="en-US" sz="1400" dirty="0" err="1"/>
+              <a:t>리듀서</a:t>
+            </a:r>
+            <a:r>
+              <a:rPr lang="ko-KR" altLang="en-US" sz="1400" dirty="0"/>
+              <a:t> 사이의 </a:t>
+            </a:r>
+            <a:r>
+              <a:rPr lang="ko-KR" altLang="en-US" sz="1400" dirty="0" err="1"/>
+              <a:t>중간자라고</a:t>
+            </a:r>
+            <a:r>
+              <a:rPr lang="ko-KR" altLang="en-US" sz="1400" dirty="0"/>
+              <a:t> 이해하시면 되겠습니다</a:t>
+            </a:r>
+            <a:r>
+              <a:rPr lang="en-US" altLang="ko-KR" sz="1400" dirty="0"/>
+              <a:t>.</a:t>
+            </a:r>
+          </a:p>
+          <a:p>
+            <a:pPr marL="742950" lvl="1" indent="-285750">
+              <a:lnSpc>
+                <a:spcPct val="150000"/>
+              </a:lnSpc>
+              <a:buFont typeface="Arial" panose="020B0604020202020204" pitchFamily="34" charset="0"/>
+              <a:buChar char="•"/>
+            </a:pPr>
+            <a:r>
+              <a:rPr lang="ko-KR" altLang="en-US" sz="1400" dirty="0" err="1" smtClean="0"/>
+              <a:t>리듀서가</a:t>
+            </a:r>
+            <a:r>
+              <a:rPr lang="ko-KR" altLang="en-US" sz="1400" dirty="0" smtClean="0"/>
+              <a:t> </a:t>
+            </a:r>
+            <a:r>
+              <a:rPr lang="ko-KR" altLang="en-US" sz="1400" dirty="0"/>
+              <a:t>액션을 처리하기 전에</a:t>
+            </a:r>
+            <a:r>
+              <a:rPr lang="en-US" altLang="ko-KR" sz="1400" dirty="0"/>
+              <a:t>, </a:t>
+            </a:r>
+            <a:r>
+              <a:rPr lang="ko-KR" altLang="en-US" sz="1400" dirty="0" err="1"/>
+              <a:t>미들웨어가</a:t>
+            </a:r>
+            <a:r>
+              <a:rPr lang="ko-KR" altLang="en-US" sz="1400" dirty="0"/>
+              <a:t> 할 </a:t>
+            </a:r>
+            <a:r>
+              <a:rPr lang="ko-KR" altLang="en-US" sz="1400" dirty="0" err="1"/>
+              <a:t>수있는</a:t>
+            </a:r>
+            <a:r>
+              <a:rPr lang="ko-KR" altLang="en-US" sz="1400" dirty="0"/>
+              <a:t> 작업들은 여러가지가 있는데요</a:t>
+            </a:r>
+            <a:r>
+              <a:rPr lang="en-US" altLang="ko-KR" sz="1400" dirty="0"/>
+              <a:t>.</a:t>
+            </a:r>
+          </a:p>
+          <a:p>
+            <a:pPr marL="742950" lvl="1" indent="-285750">
+              <a:lnSpc>
+                <a:spcPct val="150000"/>
+              </a:lnSpc>
+              <a:buFont typeface="Arial" panose="020B0604020202020204" pitchFamily="34" charset="0"/>
+              <a:buChar char="•"/>
+            </a:pPr>
+            <a:r>
+              <a:rPr lang="ko-KR" altLang="en-US" sz="1400" dirty="0" smtClean="0"/>
+              <a:t>단순히 </a:t>
+            </a:r>
+            <a:r>
+              <a:rPr lang="ko-KR" altLang="en-US" sz="1400" dirty="0"/>
+              <a:t>전달받은 액션을 콘솔에 기록을 할 수도 있고</a:t>
+            </a:r>
+            <a:r>
+              <a:rPr lang="en-US" altLang="ko-KR" sz="1400" dirty="0"/>
+              <a:t>, </a:t>
+            </a:r>
+            <a:r>
+              <a:rPr lang="ko-KR" altLang="en-US" sz="1400" dirty="0"/>
+              <a:t>전달받은 액션에 기반하여 액션을 아예 취소시켜버리거나</a:t>
+            </a:r>
+            <a:r>
+              <a:rPr lang="en-US" altLang="ko-KR" sz="1400" dirty="0" smtClean="0"/>
+              <a:t>, </a:t>
+            </a:r>
+            <a:r>
+              <a:rPr lang="ko-KR" altLang="en-US" sz="1400" dirty="0" smtClean="0"/>
+              <a:t>다른 </a:t>
+            </a:r>
+            <a:r>
+              <a:rPr lang="ko-KR" altLang="en-US" sz="1400" dirty="0"/>
+              <a:t>종류의 액션들을 추가적으로 </a:t>
+            </a:r>
+            <a:r>
+              <a:rPr lang="ko-KR" altLang="en-US" sz="1400" dirty="0" err="1"/>
+              <a:t>디스패치</a:t>
+            </a:r>
+            <a:r>
+              <a:rPr lang="ko-KR" altLang="en-US" sz="1400" dirty="0"/>
+              <a:t> 할 수도 있습니다</a:t>
+            </a:r>
+            <a:r>
+              <a:rPr lang="en-US" altLang="ko-KR" sz="1400" dirty="0"/>
+              <a:t>.</a:t>
+            </a:r>
+          </a:p>
+          <a:p>
+            <a:pPr marL="742950" lvl="1" indent="-285750">
+              <a:lnSpc>
+                <a:spcPct val="150000"/>
+              </a:lnSpc>
+              <a:buFont typeface="Arial" panose="020B0604020202020204" pitchFamily="34" charset="0"/>
+              <a:buChar char="•"/>
+            </a:pPr>
+            <a:r>
+              <a:rPr lang="en-US" altLang="ko-KR" sz="1400" dirty="0" err="1" smtClean="0"/>
+              <a:t>axios</a:t>
+            </a:r>
+            <a:r>
+              <a:rPr lang="en-US" altLang="ko-KR" sz="1400" dirty="0" smtClean="0"/>
+              <a:t> </a:t>
+            </a:r>
+            <a:r>
+              <a:rPr lang="ko-KR" altLang="en-US" sz="1400" dirty="0"/>
+              <a:t>는 </a:t>
+            </a:r>
+            <a:r>
+              <a:rPr lang="en-US" altLang="ko-KR" sz="1400" dirty="0"/>
+              <a:t>Promise </a:t>
+            </a:r>
+            <a:r>
+              <a:rPr lang="ko-KR" altLang="en-US" sz="1400" dirty="0"/>
+              <a:t>기반 </a:t>
+            </a:r>
+            <a:r>
+              <a:rPr lang="en-US" altLang="ko-KR" sz="1400" dirty="0"/>
+              <a:t>HTTP Client </a:t>
+            </a:r>
+            <a:r>
+              <a:rPr lang="ko-KR" altLang="en-US" sz="1400" dirty="0"/>
+              <a:t>입니다</a:t>
+            </a:r>
+            <a:r>
+              <a:rPr lang="en-US" altLang="ko-KR" sz="1400" dirty="0"/>
+              <a:t>.</a:t>
+            </a:r>
+            <a:endParaRPr lang="en-US" altLang="ko-KR" sz="1200" dirty="0" smtClean="0"/>
+          </a:p>
+        </p:txBody>
+      </p:sp>
+    </p:spTree>
+    <p:extLst>
+      <p:ext uri="{BB962C8B-B14F-4D97-AF65-F5344CB8AC3E}">
+        <p14:creationId xmlns:p14="http://schemas.microsoft.com/office/powerpoint/2010/main" val="3010614967"/>
+      </p:ext>
+    </p:extLst>
+  </p:cSld>
+  <p:clrMapOvr>
+    <a:masterClrMapping/>
+  </p:clrMapOvr>
+  <p:timing>
+    <p:tnLst>
+      <p:par>
+        <p:cTn id="1" dur="indefinite" restart="never" nodeType="tmRoot"/>
+      </p:par>
+    </p:tnLst>
+  </p:timing>
+</p:sld>
+</file>
+
+<file path=ppt/slides/slide16.xml><?xml version="1.0" encoding="utf-8"?>
+<p:sld xmlns:a="http://schemas.openxmlformats.org/drawingml/2006/main" xmlns:r="http://schemas.openxmlformats.org/officeDocument/2006/relationships" xmlns:p="http://schemas.openxmlformats.org/presentationml/2006/main">
+  <p:cSld>
+    <p:spTree>
+      <p:nvGrpSpPr>
+        <p:cNvPr id="1" name=""/>
+        <p:cNvGrpSpPr/>
+        <p:nvPr/>
+      </p:nvGrpSpPr>
+      <p:grpSpPr>
+        <a:xfrm>
+          <a:off x="0" y="0"/>
+          <a:ext cx="0" cy="0"/>
+          <a:chOff x="0" y="0"/>
+          <a:chExt cx="0" cy="0"/>
+        </a:xfrm>
+      </p:grpSpPr>
+      <p:sp>
+        <p:nvSpPr>
+          <p:cNvPr id="3" name="TextBox 2"/>
+          <p:cNvSpPr txBox="1"/>
+          <p:nvPr/>
+        </p:nvSpPr>
+        <p:spPr>
+          <a:xfrm>
+            <a:off x="548640" y="470346"/>
+            <a:ext cx="8055807" cy="461665"/>
+          </a:xfrm>
+          <a:prstGeom prst="rect">
+            <a:avLst/>
+          </a:prstGeom>
+          <a:noFill/>
+        </p:spPr>
+        <p:txBody>
+          <a:bodyPr wrap="square" rtlCol="0">
+            <a:spAutoFit/>
+          </a:bodyPr>
+          <a:lstStyle/>
+          <a:p>
+            <a:r>
+              <a:rPr lang="en-US" altLang="ko-KR" sz="2400" dirty="0" smtClean="0">
+                <a:latin typeface="HY헤드라인M" pitchFamily="18" charset="-127"/>
+                <a:ea typeface="HY헤드라인M" pitchFamily="18" charset="-127"/>
+              </a:rPr>
+              <a:t>React </a:t>
+            </a:r>
+            <a:r>
+              <a:rPr lang="en-US" altLang="ko-KR" sz="2400" dirty="0" err="1" smtClean="0">
+                <a:latin typeface="HY헤드라인M" pitchFamily="18" charset="-127"/>
+                <a:ea typeface="HY헤드라인M" pitchFamily="18" charset="-127"/>
+              </a:rPr>
+              <a:t>Redux</a:t>
+            </a:r>
+            <a:endParaRPr lang="ko-KR" altLang="en-US" sz="2400" dirty="0">
+              <a:latin typeface="HY헤드라인M" pitchFamily="18" charset="-127"/>
+              <a:ea typeface="HY헤드라인M" pitchFamily="18" charset="-127"/>
+            </a:endParaRPr>
+          </a:p>
+        </p:txBody>
+      </p:sp>
+      <p:pic>
+        <p:nvPicPr>
+          <p:cNvPr id="2" name="그림 1"/>
+          <p:cNvPicPr>
+            <a:picLocks noChangeAspect="1"/>
+          </p:cNvPicPr>
+          <p:nvPr/>
+        </p:nvPicPr>
+        <p:blipFill>
+          <a:blip r:embed="rId2" cstate="print">
+            <a:extLst>
+              <a:ext uri="{28A0092B-C50C-407E-A947-70E740481C1C}">
+                <a14:useLocalDpi xmlns:a14="http://schemas.microsoft.com/office/drawing/2010/main" val="0"/>
+              </a:ext>
+            </a:extLst>
+          </a:blip>
+          <a:stretch>
+            <a:fillRect/>
+          </a:stretch>
+        </p:blipFill>
+        <p:spPr>
+          <a:xfrm>
+            <a:off x="7596744" y="2925352"/>
+            <a:ext cx="71600" cy="71600"/>
+          </a:xfrm>
+          <a:prstGeom prst="rect">
+            <a:avLst/>
+          </a:prstGeom>
+        </p:spPr>
+      </p:pic>
+      <p:sp>
+        <p:nvSpPr>
+          <p:cNvPr id="5" name="모서리가 둥근 직사각형 4"/>
+          <p:cNvSpPr/>
+          <p:nvPr/>
+        </p:nvSpPr>
+        <p:spPr>
+          <a:xfrm>
+            <a:off x="439982" y="1196752"/>
+            <a:ext cx="8164465" cy="5345844"/>
+          </a:xfrm>
+          <a:prstGeom prst="roundRect">
+            <a:avLst>
+              <a:gd name="adj" fmla="val 8134"/>
+            </a:avLst>
+          </a:prstGeom>
+          <a:ln/>
+        </p:spPr>
+        <p:style>
+          <a:lnRef idx="2">
+            <a:schemeClr val="accent1"/>
+          </a:lnRef>
+          <a:fillRef idx="1">
+            <a:schemeClr val="lt1"/>
+          </a:fillRef>
+          <a:effectRef idx="0">
+            <a:schemeClr val="accent1"/>
+          </a:effectRef>
+          <a:fontRef idx="minor">
+            <a:schemeClr val="dk1"/>
+          </a:fontRef>
+        </p:style>
+        <p:txBody>
+          <a:bodyPr rtlCol="0" anchor="t"/>
+          <a:lstStyle/>
+          <a:p>
+            <a:pPr marL="285750" indent="-285750">
+              <a:lnSpc>
+                <a:spcPct val="150000"/>
+              </a:lnSpc>
+              <a:buFont typeface="Wingdings" panose="05000000000000000000" pitchFamily="2" charset="2"/>
+              <a:buChar char="Ø"/>
+            </a:pPr>
+            <a:r>
+              <a:rPr lang="en-US" altLang="ko-KR" sz="2000" dirty="0">
+                <a:solidFill>
+                  <a:srgbClr val="0000FF"/>
+                </a:solidFill>
+                <a:latin typeface="+mn-ea"/>
+              </a:rPr>
+              <a:t> </a:t>
+            </a:r>
+            <a:r>
+              <a:rPr lang="en-US" altLang="ko-KR" sz="2000" dirty="0" err="1" smtClean="0">
+                <a:solidFill>
+                  <a:srgbClr val="0000FF"/>
+                </a:solidFill>
+                <a:latin typeface="+mn-ea"/>
+              </a:rPr>
+              <a:t>redux-thunk</a:t>
+            </a:r>
+            <a:endParaRPr lang="en-US" altLang="ko-KR" sz="2000" dirty="0" smtClean="0">
+              <a:solidFill>
+                <a:srgbClr val="0000FF"/>
+              </a:solidFill>
+              <a:latin typeface="+mn-ea"/>
+            </a:endParaRPr>
+          </a:p>
+          <a:p>
+            <a:pPr marL="742950" lvl="1" indent="-285750">
+              <a:lnSpc>
+                <a:spcPct val="150000"/>
+              </a:lnSpc>
+              <a:buFont typeface="Arial" panose="020B0604020202020204" pitchFamily="34" charset="0"/>
+              <a:buChar char="•"/>
+            </a:pPr>
+            <a:r>
+              <a:rPr lang="ko-KR" altLang="en-US" sz="1400" dirty="0" err="1" smtClean="0"/>
+              <a:t>리덕스를</a:t>
+            </a:r>
+            <a:r>
+              <a:rPr lang="ko-KR" altLang="en-US" sz="1400" dirty="0" smtClean="0"/>
+              <a:t> 사용하는 어플리케이션에서 비동기 작업을 처리 할 때 가장 기본적인 방법으로는 </a:t>
+            </a:r>
+            <a:r>
+              <a:rPr lang="en-US" altLang="ko-KR" sz="1400" dirty="0" err="1" smtClean="0"/>
+              <a:t>redux-thunk</a:t>
+            </a:r>
+            <a:r>
+              <a:rPr lang="en-US" altLang="ko-KR" sz="1400" dirty="0" smtClean="0"/>
+              <a:t> </a:t>
+            </a:r>
+            <a:r>
+              <a:rPr lang="ko-KR" altLang="en-US" sz="1400" dirty="0" smtClean="0"/>
+              <a:t>라는 </a:t>
+            </a:r>
+            <a:r>
+              <a:rPr lang="ko-KR" altLang="en-US" sz="1400" dirty="0" err="1" smtClean="0"/>
+              <a:t>미들웨어를</a:t>
+            </a:r>
+            <a:r>
+              <a:rPr lang="ko-KR" altLang="en-US" sz="1400" dirty="0" smtClean="0"/>
+              <a:t> 사용 하는 것입니다</a:t>
+            </a:r>
+            <a:r>
+              <a:rPr lang="en-US" altLang="ko-KR" sz="1400" dirty="0" smtClean="0"/>
+              <a:t>.</a:t>
+            </a:r>
+          </a:p>
+          <a:p>
+            <a:pPr marL="742950" lvl="1" indent="-285750" latinLnBrk="0">
+              <a:lnSpc>
+                <a:spcPct val="150000"/>
+              </a:lnSpc>
+              <a:buFont typeface="Arial" panose="020B0604020202020204" pitchFamily="34" charset="0"/>
+              <a:buChar char="•"/>
+            </a:pPr>
+            <a:r>
+              <a:rPr lang="ko-KR" altLang="en-US" sz="1400" dirty="0" smtClean="0"/>
+              <a:t>이 </a:t>
+            </a:r>
+            <a:r>
+              <a:rPr lang="ko-KR" altLang="en-US" sz="1400" dirty="0" err="1"/>
+              <a:t>미들웨어는</a:t>
+            </a:r>
+            <a:r>
+              <a:rPr lang="ko-KR" altLang="en-US" sz="1400" dirty="0"/>
+              <a:t> </a:t>
+            </a:r>
+            <a:r>
+              <a:rPr lang="ko-KR" altLang="en-US" sz="1400" dirty="0" err="1"/>
+              <a:t>리덕스를</a:t>
+            </a:r>
+            <a:r>
+              <a:rPr lang="ko-KR" altLang="en-US" sz="1400" dirty="0"/>
+              <a:t> 개발한 </a:t>
+            </a:r>
+            <a:r>
+              <a:rPr lang="en-US" altLang="ko-KR" sz="1400" dirty="0"/>
+              <a:t>Dan Abramov </a:t>
+            </a:r>
+            <a:r>
+              <a:rPr lang="ko-KR" altLang="en-US" sz="1400" dirty="0"/>
+              <a:t>가 만든 것이며</a:t>
+            </a:r>
+            <a:r>
+              <a:rPr lang="en-US" altLang="ko-KR" sz="1400" dirty="0"/>
+              <a:t>, </a:t>
+            </a:r>
+            <a:r>
+              <a:rPr lang="en-US" altLang="ko-KR" sz="1400" dirty="0" err="1"/>
+              <a:t>redux</a:t>
+            </a:r>
+            <a:r>
+              <a:rPr lang="en-US" altLang="ko-KR" sz="1400" dirty="0"/>
+              <a:t> </a:t>
+            </a:r>
+            <a:r>
+              <a:rPr lang="ko-KR" altLang="en-US" sz="1400" dirty="0"/>
+              <a:t>공식 매뉴얼에서도 이 </a:t>
+            </a:r>
+            <a:r>
+              <a:rPr lang="ko-KR" altLang="en-US" sz="1400" dirty="0" err="1"/>
+              <a:t>미들웨어를</a:t>
+            </a:r>
+            <a:r>
+              <a:rPr lang="ko-KR" altLang="en-US" sz="1400" dirty="0"/>
+              <a:t> 사용하여 비동기 작업을 다룹니다</a:t>
+            </a:r>
+            <a:r>
+              <a:rPr lang="en-US" altLang="ko-KR" sz="1400" dirty="0"/>
+              <a:t>.</a:t>
+            </a:r>
+          </a:p>
+          <a:p>
+            <a:pPr marL="742950" lvl="1" indent="-285750" latinLnBrk="0">
+              <a:lnSpc>
+                <a:spcPct val="150000"/>
+              </a:lnSpc>
+              <a:buFont typeface="Arial" panose="020B0604020202020204" pitchFamily="34" charset="0"/>
+              <a:buChar char="•"/>
+            </a:pPr>
+            <a:r>
+              <a:rPr lang="ko-KR" altLang="en-US" sz="1400" dirty="0" smtClean="0"/>
+              <a:t>이를 </a:t>
+            </a:r>
+            <a:r>
+              <a:rPr lang="ko-KR" altLang="en-US" sz="1400" dirty="0"/>
+              <a:t>사용하여 비동기 작업을 </a:t>
+            </a:r>
+            <a:r>
+              <a:rPr lang="ko-KR" altLang="en-US" sz="1400" dirty="0" smtClean="0"/>
+              <a:t>관리 하는 것은 </a:t>
+            </a:r>
+            <a:r>
+              <a:rPr lang="ko-KR" altLang="en-US" sz="1400" dirty="0"/>
+              <a:t>매우 직관적이고 간단합니다</a:t>
+            </a:r>
+            <a:r>
+              <a:rPr lang="en-US" altLang="ko-KR" sz="1400" dirty="0"/>
+              <a:t>.</a:t>
+            </a:r>
+          </a:p>
+          <a:p>
+            <a:pPr marL="742950" lvl="1" indent="-285750" latinLnBrk="0">
+              <a:lnSpc>
+                <a:spcPct val="150000"/>
+              </a:lnSpc>
+              <a:buFont typeface="Arial" panose="020B0604020202020204" pitchFamily="34" charset="0"/>
+              <a:buChar char="•"/>
+            </a:pPr>
+            <a:r>
+              <a:rPr lang="ko-KR" altLang="en-US" sz="1400" dirty="0" smtClean="0"/>
+              <a:t>이 </a:t>
+            </a:r>
+            <a:r>
+              <a:rPr lang="ko-KR" altLang="en-US" sz="1400" dirty="0" err="1"/>
+              <a:t>미들웨어는</a:t>
+            </a:r>
+            <a:r>
+              <a:rPr lang="ko-KR" altLang="en-US" sz="1400" dirty="0"/>
+              <a:t> 객체 대신 함수를 생성하는 액션 </a:t>
+            </a:r>
+            <a:r>
+              <a:rPr lang="ko-KR" altLang="en-US" sz="1400" dirty="0" err="1"/>
+              <a:t>생성함수를</a:t>
+            </a:r>
+            <a:r>
+              <a:rPr lang="ko-KR" altLang="en-US" sz="1400" dirty="0"/>
+              <a:t> 작성 할 수 있게 해줍니다</a:t>
+            </a:r>
+            <a:r>
+              <a:rPr lang="en-US" altLang="ko-KR" sz="1400" dirty="0"/>
+              <a:t>.</a:t>
+            </a:r>
+          </a:p>
+          <a:p>
+            <a:pPr marL="742950" lvl="1" indent="-285750" latinLnBrk="0">
+              <a:lnSpc>
+                <a:spcPct val="150000"/>
+              </a:lnSpc>
+              <a:buFont typeface="Arial" panose="020B0604020202020204" pitchFamily="34" charset="0"/>
+              <a:buChar char="•"/>
+            </a:pPr>
+            <a:r>
+              <a:rPr lang="ko-KR" altLang="en-US" sz="1400" dirty="0" err="1" smtClean="0"/>
+              <a:t>리덕스에서는</a:t>
+            </a:r>
+            <a:r>
+              <a:rPr lang="ko-KR" altLang="en-US" sz="1400" dirty="0" smtClean="0"/>
+              <a:t> </a:t>
+            </a:r>
+            <a:r>
+              <a:rPr lang="ko-KR" altLang="en-US" sz="1400" dirty="0"/>
+              <a:t>기본적으로는 액션 객체를 </a:t>
+            </a:r>
+            <a:r>
+              <a:rPr lang="ko-KR" altLang="en-US" sz="1400" dirty="0" err="1"/>
+              <a:t>디스패치합니다</a:t>
+            </a:r>
+            <a:r>
+              <a:rPr lang="en-US" altLang="ko-KR" sz="1400" dirty="0" smtClean="0"/>
+              <a:t>.</a:t>
+            </a:r>
+          </a:p>
+          <a:p>
+            <a:pPr marL="742950" lvl="1" indent="-285750" latinLnBrk="0">
+              <a:lnSpc>
+                <a:spcPct val="150000"/>
+              </a:lnSpc>
+              <a:buFont typeface="Arial" panose="020B0604020202020204" pitchFamily="34" charset="0"/>
+              <a:buChar char="•"/>
+            </a:pPr>
+            <a:r>
+              <a:rPr lang="ko-KR" altLang="en-US" sz="1400" dirty="0" smtClean="0"/>
+              <a:t>일반 </a:t>
+            </a:r>
+            <a:r>
+              <a:rPr lang="ko-KR" altLang="en-US" sz="1400" dirty="0"/>
+              <a:t>액션 </a:t>
+            </a:r>
+            <a:r>
+              <a:rPr lang="ko-KR" altLang="en-US" sz="1400" dirty="0" err="1"/>
+              <a:t>생성자는</a:t>
+            </a:r>
+            <a:r>
+              <a:rPr lang="en-US" altLang="ko-KR" sz="1400" dirty="0"/>
+              <a:t>, </a:t>
+            </a:r>
+            <a:r>
+              <a:rPr lang="ko-KR" altLang="en-US" sz="1400" dirty="0"/>
+              <a:t>다음과 같이 </a:t>
+            </a:r>
+            <a:r>
+              <a:rPr lang="ko-KR" altLang="en-US" sz="1400" dirty="0" err="1" smtClean="0"/>
+              <a:t>파라메터를</a:t>
+            </a:r>
+            <a:r>
+              <a:rPr lang="ko-KR" altLang="en-US" sz="1400" dirty="0" smtClean="0"/>
+              <a:t> </a:t>
+            </a:r>
+            <a:r>
+              <a:rPr lang="ko-KR" altLang="en-US" sz="1400" dirty="0"/>
+              <a:t>가지고 액션 객체를 생성하는 </a:t>
+            </a:r>
+            <a:r>
+              <a:rPr lang="ko-KR" altLang="en-US" sz="1400" dirty="0" err="1" smtClean="0"/>
+              <a:t>작업만합니다</a:t>
+            </a:r>
+            <a:r>
+              <a:rPr lang="en-US" altLang="ko-KR" sz="1400" dirty="0" smtClean="0"/>
+              <a:t>.</a:t>
+            </a:r>
+            <a:endParaRPr lang="en-US" altLang="ko-KR" sz="1200" dirty="0" smtClean="0"/>
+          </a:p>
+        </p:txBody>
+      </p:sp>
+    </p:spTree>
+    <p:extLst>
+      <p:ext uri="{BB962C8B-B14F-4D97-AF65-F5344CB8AC3E}">
+        <p14:creationId xmlns:p14="http://schemas.microsoft.com/office/powerpoint/2010/main" val="2899529147"/>
+      </p:ext>
+    </p:extLst>
+  </p:cSld>
+  <p:clrMapOvr>
+    <a:masterClrMapping/>
+  </p:clrMapOvr>
+  <p:timing>
+    <p:tnLst>
+      <p:par>
+        <p:cTn id="1" dur="indefinite" restart="never" nodeType="tmRoot"/>
+      </p:par>
+    </p:tnLst>
+  </p:timing>
+</p:sld>
+</file>
+
+<file path=ppt/slides/slide17.xml><?xml version="1.0" encoding="utf-8"?>
+<p:sld xmlns:a="http://schemas.openxmlformats.org/drawingml/2006/main" xmlns:r="http://schemas.openxmlformats.org/officeDocument/2006/relationships" xmlns:p="http://schemas.openxmlformats.org/presentationml/2006/main">
+  <p:cSld>
+    <p:spTree>
+      <p:nvGrpSpPr>
+        <p:cNvPr id="1" name=""/>
+        <p:cNvGrpSpPr/>
+        <p:nvPr/>
+      </p:nvGrpSpPr>
+      <p:grpSpPr>
+        <a:xfrm>
+          <a:off x="0" y="0"/>
+          <a:ext cx="0" cy="0"/>
+          <a:chOff x="0" y="0"/>
+          <a:chExt cx="0" cy="0"/>
+        </a:xfrm>
+      </p:grpSpPr>
+      <p:sp>
+        <p:nvSpPr>
+          <p:cNvPr id="3" name="TextBox 2"/>
+          <p:cNvSpPr txBox="1"/>
+          <p:nvPr/>
+        </p:nvSpPr>
+        <p:spPr>
+          <a:xfrm>
+            <a:off x="548640" y="470346"/>
+            <a:ext cx="8055807" cy="461665"/>
+          </a:xfrm>
+          <a:prstGeom prst="rect">
+            <a:avLst/>
+          </a:prstGeom>
+          <a:noFill/>
+        </p:spPr>
+        <p:txBody>
+          <a:bodyPr wrap="square" rtlCol="0">
+            <a:spAutoFit/>
+          </a:bodyPr>
+          <a:lstStyle/>
+          <a:p>
+            <a:r>
+              <a:rPr lang="en-US" altLang="ko-KR" sz="2400" dirty="0" smtClean="0">
+                <a:latin typeface="HY헤드라인M" pitchFamily="18" charset="-127"/>
+                <a:ea typeface="HY헤드라인M" pitchFamily="18" charset="-127"/>
+              </a:rPr>
+              <a:t>React API</a:t>
+            </a:r>
+            <a:endParaRPr lang="ko-KR" altLang="en-US" sz="2400" dirty="0">
+              <a:latin typeface="HY헤드라인M" pitchFamily="18" charset="-127"/>
+              <a:ea typeface="HY헤드라인M" pitchFamily="18" charset="-127"/>
+            </a:endParaRPr>
+          </a:p>
+        </p:txBody>
+      </p:sp>
+      <p:pic>
+        <p:nvPicPr>
+          <p:cNvPr id="2" name="그림 1"/>
+          <p:cNvPicPr>
+            <a:picLocks noChangeAspect="1"/>
+          </p:cNvPicPr>
+          <p:nvPr/>
+        </p:nvPicPr>
+        <p:blipFill>
+          <a:blip r:embed="rId2" cstate="print">
+            <a:extLst>
+              <a:ext uri="{28A0092B-C50C-407E-A947-70E740481C1C}">
+                <a14:useLocalDpi xmlns:a14="http://schemas.microsoft.com/office/drawing/2010/main" val="0"/>
+              </a:ext>
+            </a:extLst>
+          </a:blip>
+          <a:stretch>
+            <a:fillRect/>
+          </a:stretch>
+        </p:blipFill>
+        <p:spPr>
+          <a:xfrm>
+            <a:off x="7596744" y="2925352"/>
+            <a:ext cx="71600" cy="71600"/>
+          </a:xfrm>
+          <a:prstGeom prst="rect">
+            <a:avLst/>
+          </a:prstGeom>
+        </p:spPr>
+      </p:pic>
+      <p:sp>
+        <p:nvSpPr>
+          <p:cNvPr id="5" name="모서리가 둥근 직사각형 4"/>
+          <p:cNvSpPr/>
+          <p:nvPr/>
+        </p:nvSpPr>
+        <p:spPr>
+          <a:xfrm>
+            <a:off x="439982" y="1196752"/>
+            <a:ext cx="8164465" cy="5345844"/>
+          </a:xfrm>
+          <a:prstGeom prst="roundRect">
+            <a:avLst>
+              <a:gd name="adj" fmla="val 8134"/>
+            </a:avLst>
+          </a:prstGeom>
+          <a:ln/>
+        </p:spPr>
+        <p:style>
+          <a:lnRef idx="2">
+            <a:schemeClr val="accent1"/>
+          </a:lnRef>
+          <a:fillRef idx="1">
+            <a:schemeClr val="lt1"/>
+          </a:fillRef>
+          <a:effectRef idx="0">
+            <a:schemeClr val="accent1"/>
+          </a:effectRef>
+          <a:fontRef idx="minor">
+            <a:schemeClr val="dk1"/>
+          </a:fontRef>
+        </p:style>
+        <p:txBody>
+          <a:bodyPr rtlCol="0" anchor="t"/>
+          <a:lstStyle/>
+          <a:p>
+            <a:pPr marL="285750" indent="-285750">
+              <a:lnSpc>
+                <a:spcPct val="150000"/>
+              </a:lnSpc>
+              <a:buFont typeface="Wingdings" panose="05000000000000000000" pitchFamily="2" charset="2"/>
+              <a:buChar char="Ø"/>
+            </a:pPr>
+            <a:r>
+              <a:rPr lang="en-US" altLang="ko-KR" sz="2000" dirty="0">
+                <a:solidFill>
+                  <a:srgbClr val="0000FF"/>
+                </a:solidFill>
+                <a:latin typeface="+mn-ea"/>
+              </a:rPr>
+              <a:t> </a:t>
+            </a:r>
+            <a:r>
+              <a:rPr lang="en-US" altLang="ko-KR" sz="2000" dirty="0" err="1">
+                <a:solidFill>
+                  <a:srgbClr val="0000FF"/>
+                </a:solidFill>
+                <a:latin typeface="+mn-ea"/>
+              </a:rPr>
+              <a:t>axios</a:t>
+            </a:r>
+            <a:endParaRPr lang="en-US" altLang="ko-KR" sz="2000" dirty="0" smtClean="0">
+              <a:solidFill>
+                <a:srgbClr val="0000FF"/>
+              </a:solidFill>
+              <a:latin typeface="+mn-ea"/>
+            </a:endParaRPr>
+          </a:p>
+          <a:p>
+            <a:pPr marL="742950" lvl="1" indent="-285750">
+              <a:lnSpc>
+                <a:spcPct val="150000"/>
+              </a:lnSpc>
+              <a:buFont typeface="Arial" panose="020B0604020202020204" pitchFamily="34" charset="0"/>
+              <a:buChar char="•"/>
+            </a:pPr>
+            <a:r>
+              <a:rPr lang="en-US" altLang="ko-KR" sz="1400" dirty="0" err="1" smtClean="0"/>
+              <a:t>axios</a:t>
+            </a:r>
+            <a:r>
+              <a:rPr lang="en-US" altLang="ko-KR" sz="1400" dirty="0" smtClean="0"/>
+              <a:t> </a:t>
+            </a:r>
+            <a:r>
+              <a:rPr lang="ko-KR" altLang="en-US" sz="1400" dirty="0"/>
+              <a:t>는 </a:t>
+            </a:r>
+            <a:r>
+              <a:rPr lang="en-US" altLang="ko-KR" sz="1400" dirty="0"/>
+              <a:t>Promise </a:t>
+            </a:r>
+            <a:r>
+              <a:rPr lang="ko-KR" altLang="en-US" sz="1400" dirty="0"/>
+              <a:t>기반 </a:t>
+            </a:r>
+            <a:r>
+              <a:rPr lang="en-US" altLang="ko-KR" sz="1400" dirty="0"/>
+              <a:t>HTTP Client </a:t>
+            </a:r>
+            <a:r>
+              <a:rPr lang="ko-KR" altLang="en-US" sz="1400" dirty="0"/>
+              <a:t>입니다</a:t>
+            </a:r>
+            <a:r>
+              <a:rPr lang="en-US" altLang="ko-KR" sz="1400" dirty="0"/>
+              <a:t>.</a:t>
+            </a:r>
+            <a:endParaRPr lang="en-US" altLang="ko-KR" sz="1200" dirty="0" smtClean="0"/>
+          </a:p>
+        </p:txBody>
+      </p:sp>
+    </p:spTree>
+    <p:extLst>
+      <p:ext uri="{BB962C8B-B14F-4D97-AF65-F5344CB8AC3E}">
+        <p14:creationId xmlns:p14="http://schemas.microsoft.com/office/powerpoint/2010/main" val="51614587"/>
+      </p:ext>
+    </p:extLst>
+  </p:cSld>
+  <p:clrMapOvr>
+    <a:masterClrMapping/>
+  </p:clrMapOvr>
+  <p:timing>
+    <p:tnLst>
+      <p:par>
+        <p:cTn id="1" dur="indefinite" restart="never" nodeType="tmRoot"/>
+      </p:par>
+    </p:tnLst>
+  </p:timing>
+</p:sld>
+</file>
+
+<file path=ppt/slides/slide2.xml><?xml version="1.0" encoding="utf-8"?>
+<p:sld xmlns:a="http://schemas.openxmlformats.org/drawingml/2006/main" xmlns:r="http://schemas.openxmlformats.org/officeDocument/2006/relationships" xmlns:p="http://schemas.openxmlformats.org/presentationml/2006/main">
+  <p:cSld>
+    <p:spTree>
+      <p:nvGrpSpPr>
+        <p:cNvPr id="1" name=""/>
+        <p:cNvGrpSpPr/>
+        <p:nvPr/>
+      </p:nvGrpSpPr>
+      <p:grpSpPr>
+        <a:xfrm>
+          <a:off x="0" y="0"/>
+          <a:ext cx="0" cy="0"/>
+          <a:chOff x="0" y="0"/>
+          <a:chExt cx="0" cy="0"/>
+        </a:xfrm>
+      </p:grpSpPr>
+      <p:sp>
+        <p:nvSpPr>
+          <p:cNvPr id="3" name="TextBox 2"/>
+          <p:cNvSpPr txBox="1"/>
+          <p:nvPr/>
+        </p:nvSpPr>
+        <p:spPr>
+          <a:xfrm>
+            <a:off x="548640" y="470346"/>
+            <a:ext cx="8055807" cy="461665"/>
+          </a:xfrm>
+          <a:prstGeom prst="rect">
+            <a:avLst/>
+          </a:prstGeom>
+          <a:noFill/>
+        </p:spPr>
+        <p:txBody>
+          <a:bodyPr wrap="square" rtlCol="0">
+            <a:spAutoFit/>
+          </a:bodyPr>
+          <a:lstStyle/>
+          <a:p>
+            <a:r>
+              <a:rPr lang="en-US" altLang="ko-KR" sz="2400" dirty="0" smtClean="0">
+                <a:latin typeface="HY헤드라인M" pitchFamily="18" charset="-127"/>
+                <a:ea typeface="HY헤드라인M" pitchFamily="18" charset="-127"/>
+              </a:rPr>
+              <a:t>Routing</a:t>
+            </a:r>
+            <a:endParaRPr lang="ko-KR" altLang="en-US" sz="2400" dirty="0">
+              <a:latin typeface="HY헤드라인M" pitchFamily="18" charset="-127"/>
+              <a:ea typeface="HY헤드라인M" pitchFamily="18" charset="-127"/>
+            </a:endParaRPr>
+          </a:p>
+        </p:txBody>
+      </p:sp>
+      <p:pic>
+        <p:nvPicPr>
+          <p:cNvPr id="2" name="그림 1"/>
+          <p:cNvPicPr>
+            <a:picLocks noChangeAspect="1"/>
+          </p:cNvPicPr>
+          <p:nvPr/>
+        </p:nvPicPr>
+        <p:blipFill>
+          <a:blip r:embed="rId2" cstate="print">
+            <a:extLst>
+              <a:ext uri="{28A0092B-C50C-407E-A947-70E740481C1C}">
+                <a14:useLocalDpi xmlns:a14="http://schemas.microsoft.com/office/drawing/2010/main" val="0"/>
+              </a:ext>
+            </a:extLst>
+          </a:blip>
+          <a:stretch>
+            <a:fillRect/>
+          </a:stretch>
+        </p:blipFill>
+        <p:spPr>
+          <a:xfrm>
+            <a:off x="7596744" y="2925352"/>
+            <a:ext cx="71600" cy="71600"/>
+          </a:xfrm>
+          <a:prstGeom prst="rect">
+            <a:avLst/>
+          </a:prstGeom>
+        </p:spPr>
+      </p:pic>
+      <p:sp>
+        <p:nvSpPr>
+          <p:cNvPr id="5" name="모서리가 둥근 직사각형 4"/>
+          <p:cNvSpPr/>
+          <p:nvPr/>
+        </p:nvSpPr>
+        <p:spPr>
+          <a:xfrm>
+            <a:off x="439982" y="1196752"/>
+            <a:ext cx="8164465" cy="5345844"/>
+          </a:xfrm>
+          <a:prstGeom prst="roundRect">
+            <a:avLst>
+              <a:gd name="adj" fmla="val 8134"/>
+            </a:avLst>
+          </a:prstGeom>
+          <a:ln/>
+        </p:spPr>
+        <p:style>
+          <a:lnRef idx="2">
+            <a:schemeClr val="accent1"/>
+          </a:lnRef>
+          <a:fillRef idx="1">
+            <a:schemeClr val="lt1"/>
+          </a:fillRef>
+          <a:effectRef idx="0">
+            <a:schemeClr val="accent1"/>
+          </a:effectRef>
+          <a:fontRef idx="minor">
+            <a:schemeClr val="dk1"/>
+          </a:fontRef>
+        </p:style>
+        <p:txBody>
+          <a:bodyPr rtlCol="0" anchor="t"/>
+          <a:lstStyle/>
+          <a:p>
+            <a:pPr marL="285750" indent="-285750">
+              <a:lnSpc>
+                <a:spcPct val="150000"/>
+              </a:lnSpc>
+              <a:buFont typeface="Wingdings" panose="05000000000000000000" pitchFamily="2" charset="2"/>
+              <a:buChar char="Ø"/>
+            </a:pPr>
+            <a:r>
               <a:rPr lang="en-US" altLang="ko-KR" sz="2000" dirty="0" smtClean="0">
                 <a:solidFill>
                   <a:srgbClr val="0000FF"/>
@@ -2652,12 +5716,8 @@
               <a:buChar char="•"/>
             </a:pPr>
             <a:r>
-              <a:rPr lang="en-US" altLang="ko-KR" sz="1600" dirty="0" err="1" smtClean="0"/>
-              <a:t>npm</a:t>
-            </a:r>
-            <a:r>
               <a:rPr lang="en-US" altLang="ko-KR" sz="1600" dirty="0" smtClean="0"/>
-              <a:t> </a:t>
+              <a:t>npm </a:t>
             </a:r>
             <a:r>
               <a:rPr lang="en-US" altLang="ko-KR" sz="1600" dirty="0"/>
@@ -2968,12 +6028,8 @@
               <a:buChar char="•"/>
             </a:pPr>
             <a:r>
-              <a:rPr lang="en-US" altLang="ko-KR" sz="1600" dirty="0" err="1" smtClean="0"/>
-              <a:t>npm</a:t>
-            </a:r>
-            <a:r>
               <a:rPr lang="en-US" altLang="ko-KR" sz="1600" dirty="0" smtClean="0"/>
-              <a:t> </a:t>
+              <a:t>npm </a:t>
             </a:r>
             <a:r>
               <a:rPr lang="en-US" altLang="ko-KR" sz="1600" dirty="0"/>
@@ -2998,12 +6054,8 @@
               <a:buChar char="•"/>
             </a:pPr>
             <a:r>
-              <a:rPr lang="en-US" altLang="ko-KR" sz="1600" smtClean="0"/>
-              <a:t>yarn </a:t>
-            </a:r>
-            <a:r>
               <a:rPr lang="en-US" altLang="ko-KR" sz="1600" dirty="0" smtClean="0"/>
-              <a:t>add </a:t>
+              <a:t>yarn add </a:t>
             </a:r>
             <a:r>
               <a:rPr lang="en-US" altLang="ko-KR" sz="1600" dirty="0" err="1" smtClean="0"/>
@@ -3879,6 +6931,1725 @@
     <p:extLst>
       <p:ext uri="{BB962C8B-B14F-4D97-AF65-F5344CB8AC3E}">
         <p14:creationId xmlns:p14="http://schemas.microsoft.com/office/powerpoint/2010/main" val="3248664423"/>
+      </p:ext>
+    </p:extLst>
+  </p:cSld>
+  <p:clrMapOvr>
+    <a:masterClrMapping/>
+  </p:clrMapOvr>
+  <p:timing>
+    <p:tnLst>
+      <p:par>
+        <p:cTn id="1" dur="indefinite" restart="never" nodeType="tmRoot"/>
+      </p:par>
+    </p:tnLst>
+  </p:timing>
+</p:sld>
+</file>
+
+<file path=ppt/slides/slide6.xml><?xml version="1.0" encoding="utf-8"?>
+<p:sld xmlns:a="http://schemas.openxmlformats.org/drawingml/2006/main" xmlns:r="http://schemas.openxmlformats.org/officeDocument/2006/relationships" xmlns:p="http://schemas.openxmlformats.org/presentationml/2006/main">
+  <p:cSld>
+    <p:spTree>
+      <p:nvGrpSpPr>
+        <p:cNvPr id="1" name=""/>
+        <p:cNvGrpSpPr/>
+        <p:nvPr/>
+      </p:nvGrpSpPr>
+      <p:grpSpPr>
+        <a:xfrm>
+          <a:off x="0" y="0"/>
+          <a:ext cx="0" cy="0"/>
+          <a:chOff x="0" y="0"/>
+          <a:chExt cx="0" cy="0"/>
+        </a:xfrm>
+      </p:grpSpPr>
+      <p:sp>
+        <p:nvSpPr>
+          <p:cNvPr id="3" name="TextBox 2"/>
+          <p:cNvSpPr txBox="1"/>
+          <p:nvPr/>
+        </p:nvSpPr>
+        <p:spPr>
+          <a:xfrm>
+            <a:off x="548640" y="470346"/>
+            <a:ext cx="8055807" cy="461665"/>
+          </a:xfrm>
+          <a:prstGeom prst="rect">
+            <a:avLst/>
+          </a:prstGeom>
+          <a:noFill/>
+        </p:spPr>
+        <p:txBody>
+          <a:bodyPr wrap="square" rtlCol="0">
+            <a:spAutoFit/>
+          </a:bodyPr>
+          <a:lstStyle/>
+          <a:p>
+            <a:r>
+              <a:rPr lang="en-US" altLang="ko-KR" sz="2400" dirty="0" smtClean="0">
+                <a:latin typeface="HY헤드라인M" pitchFamily="18" charset="-127"/>
+                <a:ea typeface="HY헤드라인M" pitchFamily="18" charset="-127"/>
+              </a:rPr>
+              <a:t>React </a:t>
+            </a:r>
+            <a:r>
+              <a:rPr lang="ko-KR" altLang="en-US" sz="2400" dirty="0" smtClean="0">
+                <a:latin typeface="HY헤드라인M" pitchFamily="18" charset="-127"/>
+                <a:ea typeface="HY헤드라인M" pitchFamily="18" charset="-127"/>
+              </a:rPr>
+              <a:t>특징</a:t>
+            </a:r>
+            <a:endParaRPr lang="ko-KR" altLang="en-US" sz="2400" dirty="0">
+              <a:latin typeface="HY헤드라인M" pitchFamily="18" charset="-127"/>
+              <a:ea typeface="HY헤드라인M" pitchFamily="18" charset="-127"/>
+            </a:endParaRPr>
+          </a:p>
+        </p:txBody>
+      </p:sp>
+      <p:pic>
+        <p:nvPicPr>
+          <p:cNvPr id="2" name="그림 1"/>
+          <p:cNvPicPr>
+            <a:picLocks noChangeAspect="1"/>
+          </p:cNvPicPr>
+          <p:nvPr/>
+        </p:nvPicPr>
+        <p:blipFill>
+          <a:blip r:embed="rId2" cstate="print">
+            <a:extLst>
+              <a:ext uri="{28A0092B-C50C-407E-A947-70E740481C1C}">
+                <a14:useLocalDpi xmlns:a14="http://schemas.microsoft.com/office/drawing/2010/main" val="0"/>
+              </a:ext>
+            </a:extLst>
+          </a:blip>
+          <a:stretch>
+            <a:fillRect/>
+          </a:stretch>
+        </p:blipFill>
+        <p:spPr>
+          <a:xfrm>
+            <a:off x="7596744" y="2925352"/>
+            <a:ext cx="71600" cy="71600"/>
+          </a:xfrm>
+          <a:prstGeom prst="rect">
+            <a:avLst/>
+          </a:prstGeom>
+        </p:spPr>
+      </p:pic>
+      <p:sp>
+        <p:nvSpPr>
+          <p:cNvPr id="5" name="모서리가 둥근 직사각형 4"/>
+          <p:cNvSpPr/>
+          <p:nvPr/>
+        </p:nvSpPr>
+        <p:spPr>
+          <a:xfrm>
+            <a:off x="439982" y="1196752"/>
+            <a:ext cx="8164465" cy="5345844"/>
+          </a:xfrm>
+          <a:prstGeom prst="roundRect">
+            <a:avLst>
+              <a:gd name="adj" fmla="val 8134"/>
+            </a:avLst>
+          </a:prstGeom>
+          <a:ln/>
+        </p:spPr>
+        <p:style>
+          <a:lnRef idx="2">
+            <a:schemeClr val="accent1"/>
+          </a:lnRef>
+          <a:fillRef idx="1">
+            <a:schemeClr val="lt1"/>
+          </a:fillRef>
+          <a:effectRef idx="0">
+            <a:schemeClr val="accent1"/>
+          </a:effectRef>
+          <a:fontRef idx="minor">
+            <a:schemeClr val="dk1"/>
+          </a:fontRef>
+        </p:style>
+        <p:txBody>
+          <a:bodyPr rtlCol="0" anchor="t"/>
+          <a:lstStyle/>
+          <a:p>
+            <a:pPr marL="285750" indent="-285750">
+              <a:lnSpc>
+                <a:spcPct val="150000"/>
+              </a:lnSpc>
+              <a:buFont typeface="Wingdings" panose="05000000000000000000" pitchFamily="2" charset="2"/>
+              <a:buChar char="Ø"/>
+            </a:pPr>
+            <a:r>
+              <a:rPr lang="en-US" altLang="ko-KR" dirty="0" smtClean="0">
+                <a:solidFill>
+                  <a:srgbClr val="0000FF"/>
+                </a:solidFill>
+                <a:latin typeface="+mn-ea"/>
+              </a:rPr>
+              <a:t>scripts - package.js</a:t>
+            </a:r>
+            <a:endParaRPr lang="en-US" altLang="ko-KR" dirty="0">
+              <a:solidFill>
+                <a:srgbClr val="0000FF"/>
+              </a:solidFill>
+              <a:latin typeface="+mn-ea"/>
+            </a:endParaRPr>
+          </a:p>
+          <a:p>
+            <a:pPr marL="742950" lvl="1" indent="-285750" latinLnBrk="0">
+              <a:lnSpc>
+                <a:spcPct val="150000"/>
+              </a:lnSpc>
+              <a:buFont typeface="Arial" panose="020B0604020202020204" pitchFamily="34" charset="0"/>
+              <a:buChar char="•"/>
+            </a:pPr>
+            <a:r>
+              <a:rPr lang="en-US" altLang="ko-KR" sz="1400" dirty="0" smtClean="0"/>
+              <a:t>"start" : "react-scripts start"</a:t>
+            </a:r>
+          </a:p>
+          <a:p>
+            <a:pPr marL="1200150" lvl="2" indent="-285750" latinLnBrk="0">
+              <a:lnSpc>
+                <a:spcPct val="150000"/>
+              </a:lnSpc>
+              <a:buFont typeface="Wingdings" panose="05000000000000000000" pitchFamily="2" charset="2"/>
+              <a:buChar char="ü"/>
+            </a:pPr>
+            <a:r>
+              <a:rPr lang="ko-KR" altLang="en-US" sz="1200" dirty="0" smtClean="0"/>
+              <a:t>개발 </a:t>
+            </a:r>
+            <a:r>
+              <a:rPr lang="ko-KR" altLang="en-US" sz="1200" dirty="0"/>
+              <a:t>모드로 프로그램을 실행하는 명령어이다</a:t>
+            </a:r>
+            <a:r>
+              <a:rPr lang="en-US" altLang="ko-KR" sz="1200" dirty="0" smtClean="0"/>
+              <a:t>.</a:t>
+            </a:r>
+          </a:p>
+          <a:p>
+            <a:pPr marL="1200150" lvl="2" indent="-285750" latinLnBrk="0">
+              <a:lnSpc>
+                <a:spcPct val="150000"/>
+              </a:lnSpc>
+              <a:buFont typeface="Wingdings" panose="05000000000000000000" pitchFamily="2" charset="2"/>
+              <a:buChar char="ü"/>
+            </a:pPr>
+            <a:r>
+              <a:rPr lang="ko-KR" altLang="en-US" sz="1200" dirty="0" smtClean="0"/>
+              <a:t>개발 </a:t>
+            </a:r>
+            <a:r>
+              <a:rPr lang="ko-KR" altLang="en-US" sz="1200" dirty="0"/>
+              <a:t>모드로 실행하면 </a:t>
+            </a:r>
+            <a:r>
+              <a:rPr lang="en-US" altLang="ko-KR" sz="1200" dirty="0"/>
+              <a:t>HMR</a:t>
+            </a:r>
+            <a:r>
+              <a:rPr lang="ko-KR" altLang="en-US" sz="1200" dirty="0"/>
+              <a:t>이 동작하기 때문에 코드를 수정하면 화면에 즉시 반영된다</a:t>
+            </a:r>
+            <a:r>
+              <a:rPr lang="en-US" altLang="ko-KR" sz="1200" dirty="0" smtClean="0"/>
+              <a:t>.</a:t>
+            </a:r>
+          </a:p>
+          <a:p>
+            <a:pPr marL="1200150" lvl="2" indent="-285750" latinLnBrk="0">
+              <a:lnSpc>
+                <a:spcPct val="150000"/>
+              </a:lnSpc>
+              <a:buFont typeface="Wingdings" panose="05000000000000000000" pitchFamily="2" charset="2"/>
+              <a:buChar char="ü"/>
+            </a:pPr>
+            <a:endParaRPr lang="en-US" altLang="ko-KR" sz="1200" dirty="0"/>
+          </a:p>
+          <a:p>
+            <a:pPr marL="742950" lvl="1" indent="-285750" latinLnBrk="0">
+              <a:lnSpc>
+                <a:spcPct val="150000"/>
+              </a:lnSpc>
+              <a:buFont typeface="Arial" panose="020B0604020202020204" pitchFamily="34" charset="0"/>
+              <a:buChar char="•"/>
+            </a:pPr>
+            <a:r>
+              <a:rPr lang="ko-KR" altLang="en-US" sz="1400" dirty="0" smtClean="0"/>
+              <a:t>개발 모드</a:t>
+            </a:r>
+            <a:endParaRPr lang="en-US" altLang="ko-KR" sz="1400" dirty="0" smtClean="0"/>
+          </a:p>
+          <a:p>
+            <a:pPr marL="1200150" lvl="2" indent="-285750" latinLnBrk="0">
+              <a:lnSpc>
+                <a:spcPct val="150000"/>
+              </a:lnSpc>
+              <a:buFont typeface="Wingdings" panose="05000000000000000000" pitchFamily="2" charset="2"/>
+              <a:buChar char="ü"/>
+            </a:pPr>
+            <a:r>
+              <a:rPr lang="en-US" altLang="ko-KR" sz="1200" dirty="0" smtClean="0"/>
+              <a:t>npm start</a:t>
+            </a:r>
+          </a:p>
+          <a:p>
+            <a:pPr marL="1200150" lvl="2" indent="-285750" latinLnBrk="0">
+              <a:lnSpc>
+                <a:spcPct val="150000"/>
+              </a:lnSpc>
+              <a:buFont typeface="Wingdings" panose="05000000000000000000" pitchFamily="2" charset="2"/>
+              <a:buChar char="ü"/>
+            </a:pPr>
+            <a:r>
+              <a:rPr lang="en-US" altLang="ko-KR" sz="1200" dirty="0" smtClean="0"/>
+              <a:t>npm run build</a:t>
+            </a:r>
+          </a:p>
+          <a:p>
+            <a:pPr marL="1200150" lvl="2" indent="-285750" latinLnBrk="0">
+              <a:lnSpc>
+                <a:spcPct val="150000"/>
+              </a:lnSpc>
+              <a:buFont typeface="Wingdings" panose="05000000000000000000" pitchFamily="2" charset="2"/>
+              <a:buChar char="ü"/>
+            </a:pPr>
+            <a:r>
+              <a:rPr lang="en-US" altLang="ko-KR" sz="1200" dirty="0" smtClean="0"/>
+              <a:t>npx serve -s build</a:t>
+            </a:r>
+          </a:p>
+          <a:p>
+            <a:pPr marL="1200150" lvl="2" indent="-285750" latinLnBrk="0">
+              <a:lnSpc>
+                <a:spcPct val="150000"/>
+              </a:lnSpc>
+              <a:buFont typeface="Wingdings" panose="05000000000000000000" pitchFamily="2" charset="2"/>
+              <a:buChar char="ü"/>
+            </a:pPr>
+            <a:r>
+              <a:rPr lang="en-US" altLang="ko-KR" sz="1200" dirty="0" smtClean="0"/>
+              <a:t>sever</a:t>
+            </a:r>
+          </a:p>
+          <a:p>
+            <a:pPr marL="1657350" lvl="3" indent="-285750" latinLnBrk="0">
+              <a:lnSpc>
+                <a:spcPct val="150000"/>
+              </a:lnSpc>
+              <a:buFont typeface="Wingdings" panose="05000000000000000000" pitchFamily="2" charset="2"/>
+              <a:buChar char="ü"/>
+            </a:pPr>
+            <a:r>
+              <a:rPr lang="en-US" altLang="ko-KR" sz="1200" dirty="0" err="1" smtClean="0"/>
+              <a:t>seve</a:t>
+            </a:r>
+            <a:r>
+              <a:rPr lang="en-US" altLang="ko-KR" sz="1200" dirty="0" smtClean="0"/>
+              <a:t> </a:t>
+            </a:r>
+            <a:r>
+              <a:rPr lang="ko-KR" altLang="en-US" sz="1200" dirty="0" smtClean="0"/>
+              <a:t>패키지는 </a:t>
+            </a:r>
+            <a:r>
+              <a:rPr lang="en-US" altLang="ko-KR" sz="1200" dirty="0" smtClean="0"/>
+              <a:t>node.js  </a:t>
+            </a:r>
+            <a:r>
+              <a:rPr lang="ko-KR" altLang="en-US" sz="1200" dirty="0" smtClean="0"/>
+              <a:t>환경에서 동작하는 웹 서버 어플리케이션이다</a:t>
+            </a:r>
+            <a:r>
+              <a:rPr lang="en-US" altLang="ko-KR" sz="1200" dirty="0" smtClean="0"/>
+              <a:t>.</a:t>
+            </a:r>
+          </a:p>
+          <a:p>
+            <a:pPr marL="1657350" lvl="3" indent="-285750" latinLnBrk="0">
+              <a:lnSpc>
+                <a:spcPct val="150000"/>
+              </a:lnSpc>
+              <a:buFont typeface="Wingdings" panose="05000000000000000000" pitchFamily="2" charset="2"/>
+              <a:buChar char="ü"/>
+            </a:pPr>
+            <a:r>
+              <a:rPr lang="ko-KR" altLang="en-US" sz="1200" dirty="0" smtClean="0"/>
+              <a:t>정적 파일을 간단하게 서비스 할 수 있다</a:t>
+            </a:r>
+            <a:r>
+              <a:rPr lang="en-US" altLang="ko-KR" sz="1200" dirty="0" smtClean="0"/>
+              <a:t>.</a:t>
+            </a:r>
+          </a:p>
+          <a:p>
+            <a:pPr marL="1657350" lvl="3" indent="-285750" latinLnBrk="0">
+              <a:lnSpc>
+                <a:spcPct val="150000"/>
+              </a:lnSpc>
+              <a:buFont typeface="Wingdings" panose="05000000000000000000" pitchFamily="2" charset="2"/>
+              <a:buChar char="ü"/>
+            </a:pPr>
+            <a:endParaRPr lang="en-US" altLang="ko-KR" sz="1200" dirty="0" smtClean="0"/>
+          </a:p>
+          <a:p>
+            <a:pPr marL="285750" indent="-285750">
+              <a:lnSpc>
+                <a:spcPct val="150000"/>
+              </a:lnSpc>
+              <a:buFont typeface="Wingdings" panose="05000000000000000000" pitchFamily="2" charset="2"/>
+              <a:buChar char="Ø"/>
+            </a:pPr>
+            <a:r>
+              <a:rPr lang="en-US" altLang="ko-KR" dirty="0">
+                <a:solidFill>
+                  <a:srgbClr val="0000FF"/>
+                </a:solidFill>
+                <a:latin typeface="+mn-ea"/>
+              </a:rPr>
+              <a:t>HTTP </a:t>
+            </a:r>
+            <a:r>
+              <a:rPr lang="ko-KR" altLang="en-US" dirty="0">
+                <a:solidFill>
+                  <a:srgbClr val="0000FF"/>
+                </a:solidFill>
+                <a:latin typeface="+mn-ea"/>
+              </a:rPr>
+              <a:t>실행 옵션</a:t>
+            </a:r>
+            <a:endParaRPr lang="en-US" altLang="ko-KR" dirty="0">
+              <a:solidFill>
+                <a:srgbClr val="0000FF"/>
+              </a:solidFill>
+              <a:latin typeface="+mn-ea"/>
+            </a:endParaRPr>
+          </a:p>
+          <a:p>
+            <a:pPr marL="742950" lvl="1" indent="-285750" latinLnBrk="0">
+              <a:lnSpc>
+                <a:spcPct val="150000"/>
+              </a:lnSpc>
+              <a:buFont typeface="Arial" panose="020B0604020202020204" pitchFamily="34" charset="0"/>
+              <a:buChar char="•"/>
+            </a:pPr>
+            <a:r>
+              <a:rPr lang="en-US" altLang="ko-KR" sz="1400" dirty="0"/>
+              <a:t>Windows </a:t>
+            </a:r>
+            <a:r>
+              <a:rPr lang="ko-KR" altLang="en-US" sz="1400" dirty="0"/>
+              <a:t>운영 체제</a:t>
+            </a:r>
+            <a:endParaRPr lang="en-US" altLang="ko-KR" sz="1400" dirty="0"/>
+          </a:p>
+          <a:p>
+            <a:pPr marL="1200150" lvl="2" indent="-285750" latinLnBrk="0">
+              <a:lnSpc>
+                <a:spcPct val="150000"/>
+              </a:lnSpc>
+              <a:buFont typeface="Wingdings" panose="05000000000000000000" pitchFamily="2" charset="2"/>
+              <a:buChar char="ü"/>
+            </a:pPr>
+            <a:r>
+              <a:rPr lang="en-US" altLang="ko-KR" sz="1200" dirty="0"/>
+              <a:t>set HTTPS=true &amp;&amp; npm start</a:t>
+            </a:r>
+          </a:p>
+          <a:p>
+            <a:pPr marL="742950" lvl="1" indent="-285750" latinLnBrk="0">
+              <a:lnSpc>
+                <a:spcPct val="150000"/>
+              </a:lnSpc>
+              <a:buFont typeface="Arial" panose="020B0604020202020204" pitchFamily="34" charset="0"/>
+              <a:buChar char="•"/>
+            </a:pPr>
+            <a:endParaRPr lang="en-US" altLang="ko-KR" sz="1400" dirty="0" smtClean="0"/>
+          </a:p>
+          <a:p>
+            <a:pPr marL="742950" lvl="1" indent="-285750" latinLnBrk="0">
+              <a:lnSpc>
+                <a:spcPct val="150000"/>
+              </a:lnSpc>
+              <a:buFont typeface="Arial" panose="020B0604020202020204" pitchFamily="34" charset="0"/>
+              <a:buChar char="•"/>
+            </a:pPr>
+            <a:endParaRPr lang="en-US" altLang="ko-KR" sz="1400" dirty="0"/>
+          </a:p>
+          <a:p>
+            <a:pPr lvl="1" latinLnBrk="0">
+              <a:lnSpc>
+                <a:spcPct val="150000"/>
+              </a:lnSpc>
+            </a:pPr>
+            <a:endParaRPr lang="en-US" altLang="ko-KR" sz="1600" dirty="0" smtClean="0"/>
+          </a:p>
+          <a:p>
+            <a:pPr marL="742950" lvl="1" indent="-285750" latinLnBrk="0">
+              <a:lnSpc>
+                <a:spcPct val="150000"/>
+              </a:lnSpc>
+              <a:buFont typeface="Arial" panose="020B0604020202020204" pitchFamily="34" charset="0"/>
+              <a:buChar char="•"/>
+            </a:pPr>
+            <a:endParaRPr lang="en-US" altLang="ko-KR" sz="1400" dirty="0" smtClean="0"/>
+          </a:p>
+        </p:txBody>
+      </p:sp>
+    </p:spTree>
+    <p:extLst>
+      <p:ext uri="{BB962C8B-B14F-4D97-AF65-F5344CB8AC3E}">
+        <p14:creationId xmlns:p14="http://schemas.microsoft.com/office/powerpoint/2010/main" val="541468725"/>
+      </p:ext>
+    </p:extLst>
+  </p:cSld>
+  <p:clrMapOvr>
+    <a:masterClrMapping/>
+  </p:clrMapOvr>
+  <p:timing>
+    <p:tnLst>
+      <p:par>
+        <p:cTn id="1" dur="indefinite" restart="never" nodeType="tmRoot"/>
+      </p:par>
+    </p:tnLst>
+  </p:timing>
+</p:sld>
+</file>
+
+<file path=ppt/slides/slide7.xml><?xml version="1.0" encoding="utf-8"?>
+<p:sld xmlns:a="http://schemas.openxmlformats.org/drawingml/2006/main" xmlns:r="http://schemas.openxmlformats.org/officeDocument/2006/relationships" xmlns:p="http://schemas.openxmlformats.org/presentationml/2006/main">
+  <p:cSld>
+    <p:spTree>
+      <p:nvGrpSpPr>
+        <p:cNvPr id="1" name=""/>
+        <p:cNvGrpSpPr/>
+        <p:nvPr/>
+      </p:nvGrpSpPr>
+      <p:grpSpPr>
+        <a:xfrm>
+          <a:off x="0" y="0"/>
+          <a:ext cx="0" cy="0"/>
+          <a:chOff x="0" y="0"/>
+          <a:chExt cx="0" cy="0"/>
+        </a:xfrm>
+      </p:grpSpPr>
+      <p:sp>
+        <p:nvSpPr>
+          <p:cNvPr id="3" name="TextBox 2"/>
+          <p:cNvSpPr txBox="1"/>
+          <p:nvPr/>
+        </p:nvSpPr>
+        <p:spPr>
+          <a:xfrm>
+            <a:off x="548640" y="470346"/>
+            <a:ext cx="8055807" cy="461665"/>
+          </a:xfrm>
+          <a:prstGeom prst="rect">
+            <a:avLst/>
+          </a:prstGeom>
+          <a:noFill/>
+        </p:spPr>
+        <p:txBody>
+          <a:bodyPr wrap="square" rtlCol="0">
+            <a:spAutoFit/>
+          </a:bodyPr>
+          <a:lstStyle/>
+          <a:p>
+            <a:r>
+              <a:rPr lang="en-US" altLang="ko-KR" sz="2400" dirty="0" smtClean="0">
+                <a:latin typeface="HY헤드라인M" pitchFamily="18" charset="-127"/>
+                <a:ea typeface="HY헤드라인M" pitchFamily="18" charset="-127"/>
+              </a:rPr>
+              <a:t>React </a:t>
+            </a:r>
+            <a:r>
+              <a:rPr lang="ko-KR" altLang="en-US" sz="2400" dirty="0" smtClean="0">
+                <a:latin typeface="HY헤드라인M" pitchFamily="18" charset="-127"/>
+                <a:ea typeface="HY헤드라인M" pitchFamily="18" charset="-127"/>
+              </a:rPr>
+              <a:t>특징</a:t>
+            </a:r>
+            <a:endParaRPr lang="ko-KR" altLang="en-US" sz="2400" dirty="0">
+              <a:latin typeface="HY헤드라인M" pitchFamily="18" charset="-127"/>
+              <a:ea typeface="HY헤드라인M" pitchFamily="18" charset="-127"/>
+            </a:endParaRPr>
+          </a:p>
+        </p:txBody>
+      </p:sp>
+      <p:pic>
+        <p:nvPicPr>
+          <p:cNvPr id="2" name="그림 1"/>
+          <p:cNvPicPr>
+            <a:picLocks noChangeAspect="1"/>
+          </p:cNvPicPr>
+          <p:nvPr/>
+        </p:nvPicPr>
+        <p:blipFill>
+          <a:blip r:embed="rId2" cstate="print">
+            <a:extLst>
+              <a:ext uri="{28A0092B-C50C-407E-A947-70E740481C1C}">
+                <a14:useLocalDpi xmlns:a14="http://schemas.microsoft.com/office/drawing/2010/main" val="0"/>
+              </a:ext>
+            </a:extLst>
+          </a:blip>
+          <a:stretch>
+            <a:fillRect/>
+          </a:stretch>
+        </p:blipFill>
+        <p:spPr>
+          <a:xfrm>
+            <a:off x="7596744" y="2925352"/>
+            <a:ext cx="71600" cy="71600"/>
+          </a:xfrm>
+          <a:prstGeom prst="rect">
+            <a:avLst/>
+          </a:prstGeom>
+        </p:spPr>
+      </p:pic>
+      <p:sp>
+        <p:nvSpPr>
+          <p:cNvPr id="5" name="모서리가 둥근 직사각형 4"/>
+          <p:cNvSpPr/>
+          <p:nvPr/>
+        </p:nvSpPr>
+        <p:spPr>
+          <a:xfrm>
+            <a:off x="439982" y="1196752"/>
+            <a:ext cx="8164465" cy="5345844"/>
+          </a:xfrm>
+          <a:prstGeom prst="roundRect">
+            <a:avLst>
+              <a:gd name="adj" fmla="val 8134"/>
+            </a:avLst>
+          </a:prstGeom>
+          <a:ln/>
+        </p:spPr>
+        <p:style>
+          <a:lnRef idx="2">
+            <a:schemeClr val="accent1"/>
+          </a:lnRef>
+          <a:fillRef idx="1">
+            <a:schemeClr val="lt1"/>
+          </a:fillRef>
+          <a:effectRef idx="0">
+            <a:schemeClr val="accent1"/>
+          </a:effectRef>
+          <a:fontRef idx="minor">
+            <a:schemeClr val="dk1"/>
+          </a:fontRef>
+        </p:style>
+        <p:txBody>
+          <a:bodyPr rtlCol="0" anchor="t"/>
+          <a:lstStyle/>
+          <a:p>
+            <a:pPr marL="285750" indent="-285750">
+              <a:lnSpc>
+                <a:spcPct val="150000"/>
+              </a:lnSpc>
+              <a:buFont typeface="Wingdings" panose="05000000000000000000" pitchFamily="2" charset="2"/>
+              <a:buChar char="Ø"/>
+            </a:pPr>
+            <a:r>
+              <a:rPr lang="en-US" altLang="ko-KR" dirty="0" smtClean="0">
+                <a:solidFill>
+                  <a:srgbClr val="0000FF"/>
+                </a:solidFill>
+                <a:latin typeface="+mn-ea"/>
+              </a:rPr>
+              <a:t>build/static </a:t>
+            </a:r>
+            <a:r>
+              <a:rPr lang="ko-KR" altLang="en-US" dirty="0" smtClean="0">
+                <a:solidFill>
+                  <a:srgbClr val="0000FF"/>
+                </a:solidFill>
+                <a:latin typeface="+mn-ea"/>
+              </a:rPr>
+              <a:t>폴더</a:t>
+            </a:r>
+            <a:endParaRPr lang="en-US" altLang="ko-KR" dirty="0">
+              <a:solidFill>
+                <a:srgbClr val="0000FF"/>
+              </a:solidFill>
+              <a:latin typeface="+mn-ea"/>
+            </a:endParaRPr>
+          </a:p>
+          <a:p>
+            <a:pPr marL="742950" lvl="1" indent="-285750" latinLnBrk="0">
+              <a:lnSpc>
+                <a:spcPct val="150000"/>
+              </a:lnSpc>
+              <a:buFont typeface="Arial" panose="020B0604020202020204" pitchFamily="34" charset="0"/>
+              <a:buChar char="•"/>
+            </a:pPr>
+            <a:r>
+              <a:rPr lang="en-US" altLang="ko-KR" sz="1400" dirty="0"/>
+              <a:t>build/static </a:t>
+            </a:r>
+            <a:r>
+              <a:rPr lang="ko-KR" altLang="en-US" sz="1400" dirty="0"/>
+              <a:t>폴더 밑에 생성된 파일의 </a:t>
+            </a:r>
+            <a:r>
+              <a:rPr lang="ko-KR" altLang="en-US" sz="1400" dirty="0" smtClean="0"/>
+              <a:t>이름에는 해시</a:t>
+            </a:r>
+            <a:r>
+              <a:rPr lang="en-US" altLang="ko-KR" sz="1400" dirty="0" smtClean="0"/>
+              <a:t>(Hash)</a:t>
+            </a:r>
+            <a:r>
+              <a:rPr lang="ko-KR" altLang="en-US" sz="1400" dirty="0" smtClean="0"/>
+              <a:t>값이 </a:t>
+            </a:r>
+            <a:r>
+              <a:rPr lang="ko-KR" altLang="en-US" sz="1400" dirty="0"/>
+              <a:t>포함되어 있다</a:t>
+            </a:r>
+            <a:r>
+              <a:rPr lang="en-US" altLang="ko-KR" sz="1400" dirty="0" smtClean="0"/>
+              <a:t>.</a:t>
+            </a:r>
+          </a:p>
+          <a:p>
+            <a:pPr marL="742950" lvl="1" indent="-285750" latinLnBrk="0">
+              <a:lnSpc>
+                <a:spcPct val="150000"/>
+              </a:lnSpc>
+              <a:buFont typeface="Arial" panose="020B0604020202020204" pitchFamily="34" charset="0"/>
+              <a:buChar char="•"/>
+            </a:pPr>
+            <a:r>
+              <a:rPr lang="ko-KR" altLang="en-US" sz="1400" dirty="0"/>
+              <a:t>파일의 내용이 변경되지 않으면 </a:t>
+            </a:r>
+            <a:r>
+              <a:rPr lang="ko-KR" altLang="en-US" sz="1400" dirty="0" err="1"/>
+              <a:t>해시값은</a:t>
+            </a:r>
+            <a:r>
+              <a:rPr lang="ko-KR" altLang="en-US" sz="1400" dirty="0"/>
+              <a:t> 항상 같다</a:t>
+            </a:r>
+            <a:r>
+              <a:rPr lang="en-US" altLang="ko-KR" sz="1400" dirty="0"/>
+              <a:t>.</a:t>
+            </a:r>
+          </a:p>
+          <a:p>
+            <a:pPr marL="742950" lvl="1" indent="-285750" latinLnBrk="0">
+              <a:lnSpc>
+                <a:spcPct val="150000"/>
+              </a:lnSpc>
+              <a:buFont typeface="Arial" panose="020B0604020202020204" pitchFamily="34" charset="0"/>
+              <a:buChar char="•"/>
+            </a:pPr>
+            <a:r>
+              <a:rPr lang="ko-KR" altLang="en-US" sz="1400" dirty="0" smtClean="0"/>
+              <a:t>새로 </a:t>
+            </a:r>
+            <a:r>
+              <a:rPr lang="ko-KR" altLang="en-US" sz="1400" dirty="0"/>
+              <a:t>빌드를 하더라도 변경되지 않은 파일은 브라우저에 </a:t>
+            </a:r>
+            <a:r>
+              <a:rPr lang="ko-KR" altLang="en-US" sz="1400" dirty="0" err="1"/>
+              <a:t>캐싱되어</a:t>
+            </a:r>
+            <a:r>
+              <a:rPr lang="ko-KR" altLang="en-US" sz="1400" dirty="0"/>
+              <a:t> 있는 파일이 사용된다</a:t>
+            </a:r>
+            <a:r>
+              <a:rPr lang="en-US" altLang="ko-KR" sz="1400" dirty="0"/>
+              <a:t>.</a:t>
+            </a:r>
+          </a:p>
+          <a:p>
+            <a:pPr marL="742950" lvl="1" indent="-285750" latinLnBrk="0">
+              <a:lnSpc>
+                <a:spcPct val="150000"/>
+              </a:lnSpc>
+              <a:buFont typeface="Arial" panose="020B0604020202020204" pitchFamily="34" charset="0"/>
+              <a:buChar char="•"/>
+            </a:pPr>
+            <a:r>
+              <a:rPr lang="ko-KR" altLang="en-US" sz="1400" dirty="0" smtClean="0"/>
+              <a:t>따라서 </a:t>
+            </a:r>
+            <a:r>
+              <a:rPr lang="ko-KR" altLang="en-US" sz="1400" dirty="0"/>
+              <a:t>재방문의 경우 빠르게 페이지가 </a:t>
+            </a:r>
+            <a:r>
+              <a:rPr lang="ko-KR" altLang="en-US" sz="1400" dirty="0" err="1"/>
+              <a:t>렌더링되는</a:t>
+            </a:r>
+            <a:r>
+              <a:rPr lang="ko-KR" altLang="en-US" sz="1400" dirty="0"/>
+              <a:t> 효과를 볼 수 있다</a:t>
+            </a:r>
+            <a:r>
+              <a:rPr lang="en-US" altLang="ko-KR" sz="1400" dirty="0"/>
+              <a:t>.</a:t>
+            </a:r>
+          </a:p>
+          <a:p>
+            <a:pPr marL="742950" lvl="1" indent="-285750" latinLnBrk="0">
+              <a:lnSpc>
+                <a:spcPct val="150000"/>
+              </a:lnSpc>
+              <a:buFont typeface="Arial" panose="020B0604020202020204" pitchFamily="34" charset="0"/>
+              <a:buChar char="•"/>
+            </a:pPr>
+            <a:r>
+              <a:rPr lang="ko-KR" altLang="en-US" sz="1400" dirty="0" smtClean="0"/>
+              <a:t>이미지 </a:t>
+            </a:r>
+            <a:r>
+              <a:rPr lang="ko-KR" altLang="en-US" sz="1400" dirty="0"/>
+              <a:t>파일의 크기가 </a:t>
+            </a:r>
+            <a:r>
+              <a:rPr lang="en-US" altLang="ko-KR" sz="1400" dirty="0"/>
+              <a:t>10KB </a:t>
+            </a:r>
+            <a:r>
+              <a:rPr lang="ko-KR" altLang="en-US" sz="1400" dirty="0"/>
+              <a:t>보다 작은 경우에는 별도의 파일로 생성하지 않고 </a:t>
+            </a:r>
+            <a:r>
+              <a:rPr lang="en-US" altLang="ko-KR" sz="1400" dirty="0"/>
+              <a:t>data </a:t>
+            </a:r>
+            <a:r>
+              <a:rPr lang="en-US" altLang="ko-KR" sz="1400" dirty="0" err="1"/>
+              <a:t>url</a:t>
+            </a:r>
+            <a:r>
+              <a:rPr lang="en-US" altLang="ko-KR" sz="1400" dirty="0"/>
+              <a:t> </a:t>
+            </a:r>
+            <a:r>
+              <a:rPr lang="ko-KR" altLang="en-US" sz="1400" dirty="0"/>
+              <a:t>형식으로 자바스크립트 파일에 포함된다</a:t>
+            </a:r>
+            <a:r>
+              <a:rPr lang="en-US" altLang="ko-KR" sz="1400" dirty="0" smtClean="0"/>
+              <a:t>.</a:t>
+            </a:r>
+          </a:p>
+          <a:p>
+            <a:pPr lvl="1" latinLnBrk="0">
+              <a:lnSpc>
+                <a:spcPct val="150000"/>
+              </a:lnSpc>
+            </a:pPr>
+            <a:endParaRPr lang="en-US" altLang="ko-KR" sz="1200" dirty="0"/>
+          </a:p>
+          <a:p>
+            <a:pPr marL="285750" indent="-285750">
+              <a:lnSpc>
+                <a:spcPct val="150000"/>
+              </a:lnSpc>
+              <a:buFont typeface="Wingdings" panose="05000000000000000000" pitchFamily="2" charset="2"/>
+              <a:buChar char="Ø"/>
+            </a:pPr>
+            <a:r>
+              <a:rPr lang="ko-KR" altLang="en-US" dirty="0" smtClean="0">
+                <a:solidFill>
+                  <a:srgbClr val="0000FF"/>
+                </a:solidFill>
+                <a:latin typeface="+mn-ea"/>
+              </a:rPr>
+              <a:t>설정 파일 추출하기</a:t>
+            </a:r>
+            <a:endParaRPr lang="en-US" altLang="ko-KR" dirty="0">
+              <a:solidFill>
+                <a:srgbClr val="0000FF"/>
+              </a:solidFill>
+              <a:latin typeface="+mn-ea"/>
+            </a:endParaRPr>
+          </a:p>
+          <a:p>
+            <a:pPr marL="742950" lvl="1" indent="-285750" latinLnBrk="0">
+              <a:lnSpc>
+                <a:spcPct val="150000"/>
+              </a:lnSpc>
+              <a:buFont typeface="Arial" panose="020B0604020202020204" pitchFamily="34" charset="0"/>
+              <a:buChar char="•"/>
+            </a:pPr>
+            <a:r>
+              <a:rPr lang="en-US" altLang="ko-KR" sz="1400" dirty="0" smtClean="0"/>
+              <a:t>npm run eject</a:t>
+            </a:r>
+          </a:p>
+          <a:p>
+            <a:pPr marL="742950" lvl="1" indent="-285750" latinLnBrk="0">
+              <a:lnSpc>
+                <a:spcPct val="150000"/>
+              </a:lnSpc>
+              <a:buFont typeface="Arial" panose="020B0604020202020204" pitchFamily="34" charset="0"/>
+              <a:buChar char="•"/>
+            </a:pPr>
+            <a:r>
+              <a:rPr lang="ko-KR" altLang="en-US" sz="1400" dirty="0"/>
+              <a:t>숨겨져 있는 </a:t>
+            </a:r>
+            <a:r>
+              <a:rPr lang="en-US" altLang="ko-KR" sz="1400" dirty="0"/>
+              <a:t>create-react-app</a:t>
+            </a:r>
+            <a:r>
+              <a:rPr lang="ko-KR" altLang="en-US" sz="1400" dirty="0"/>
+              <a:t>의 내부 설정 파일이 밖으로 노출된다</a:t>
+            </a:r>
+            <a:r>
+              <a:rPr lang="en-US" altLang="ko-KR" sz="1400" dirty="0" smtClean="0"/>
+              <a:t>.</a:t>
+            </a:r>
+          </a:p>
+          <a:p>
+            <a:pPr marL="742950" lvl="1" indent="-285750" latinLnBrk="0">
+              <a:lnSpc>
+                <a:spcPct val="150000"/>
+              </a:lnSpc>
+              <a:buFont typeface="Arial" panose="020B0604020202020204" pitchFamily="34" charset="0"/>
+              <a:buChar char="•"/>
+            </a:pPr>
+            <a:r>
+              <a:rPr lang="en-US" altLang="ko-KR" sz="1400" dirty="0"/>
+              <a:t>react-scripts </a:t>
+            </a:r>
+            <a:r>
+              <a:rPr lang="ko-KR" altLang="en-US" sz="1400" dirty="0"/>
+              <a:t>프로젝트를 포크</a:t>
+            </a:r>
+            <a:r>
+              <a:rPr lang="en-US" altLang="ko-KR" sz="1400" dirty="0"/>
+              <a:t>(fork)</a:t>
+            </a:r>
+            <a:r>
+              <a:rPr lang="ko-KR" altLang="en-US" sz="1400" dirty="0"/>
+              <a:t>해서 나만의 스크립트를 만든다</a:t>
+            </a:r>
+            <a:r>
+              <a:rPr lang="en-US" altLang="ko-KR" sz="1400" dirty="0"/>
+              <a:t>.</a:t>
+            </a:r>
+          </a:p>
+          <a:p>
+            <a:pPr marL="1200150" lvl="2" indent="-285750" latinLnBrk="0">
+              <a:lnSpc>
+                <a:spcPct val="150000"/>
+              </a:lnSpc>
+              <a:buFont typeface="Wingdings" panose="05000000000000000000" pitchFamily="2" charset="2"/>
+              <a:buChar char="ü"/>
+            </a:pPr>
+            <a:r>
+              <a:rPr lang="en-US" altLang="ko-KR" sz="1200" dirty="0" smtClean="0">
+                <a:solidFill>
+                  <a:srgbClr val="FF0000"/>
+                </a:solidFill>
+              </a:rPr>
+              <a:t>react-app-rewired </a:t>
+            </a:r>
+            <a:r>
+              <a:rPr lang="ko-KR" altLang="en-US" sz="1200" dirty="0">
+                <a:solidFill>
+                  <a:srgbClr val="FF0000"/>
+                </a:solidFill>
+              </a:rPr>
+              <a:t>패키지를 사용한다</a:t>
+            </a:r>
+            <a:r>
+              <a:rPr lang="en-US" altLang="ko-KR" sz="1200" dirty="0">
+                <a:solidFill>
+                  <a:srgbClr val="FF0000"/>
+                </a:solidFill>
+              </a:rPr>
+              <a:t>.</a:t>
+            </a:r>
+          </a:p>
+          <a:p>
+            <a:pPr marL="742950" lvl="1" indent="-285750" latinLnBrk="0">
+              <a:lnSpc>
+                <a:spcPct val="150000"/>
+              </a:lnSpc>
+              <a:buFont typeface="Arial" panose="020B0604020202020204" pitchFamily="34" charset="0"/>
+              <a:buChar char="•"/>
+            </a:pPr>
+            <a:endParaRPr lang="en-US" altLang="ko-KR" sz="1200" dirty="0" smtClean="0"/>
+          </a:p>
+        </p:txBody>
+      </p:sp>
+    </p:spTree>
+    <p:extLst>
+      <p:ext uri="{BB962C8B-B14F-4D97-AF65-F5344CB8AC3E}">
+        <p14:creationId xmlns:p14="http://schemas.microsoft.com/office/powerpoint/2010/main" val="724710570"/>
+      </p:ext>
+    </p:extLst>
+  </p:cSld>
+  <p:clrMapOvr>
+    <a:masterClrMapping/>
+  </p:clrMapOvr>
+  <p:timing>
+    <p:tnLst>
+      <p:par>
+        <p:cTn id="1" dur="indefinite" restart="never" nodeType="tmRoot"/>
+      </p:par>
+    </p:tnLst>
+  </p:timing>
+</p:sld>
+</file>
+
+<file path=ppt/slides/slide8.xml><?xml version="1.0" encoding="utf-8"?>
+<p:sld xmlns:a="http://schemas.openxmlformats.org/drawingml/2006/main" xmlns:r="http://schemas.openxmlformats.org/officeDocument/2006/relationships" xmlns:p="http://schemas.openxmlformats.org/presentationml/2006/main">
+  <p:cSld>
+    <p:spTree>
+      <p:nvGrpSpPr>
+        <p:cNvPr id="1" name=""/>
+        <p:cNvGrpSpPr/>
+        <p:nvPr/>
+      </p:nvGrpSpPr>
+      <p:grpSpPr>
+        <a:xfrm>
+          <a:off x="0" y="0"/>
+          <a:ext cx="0" cy="0"/>
+          <a:chOff x="0" y="0"/>
+          <a:chExt cx="0" cy="0"/>
+        </a:xfrm>
+      </p:grpSpPr>
+      <p:sp>
+        <p:nvSpPr>
+          <p:cNvPr id="3" name="TextBox 2"/>
+          <p:cNvSpPr txBox="1"/>
+          <p:nvPr/>
+        </p:nvSpPr>
+        <p:spPr>
+          <a:xfrm>
+            <a:off x="548640" y="470346"/>
+            <a:ext cx="8055807" cy="461665"/>
+          </a:xfrm>
+          <a:prstGeom prst="rect">
+            <a:avLst/>
+          </a:prstGeom>
+          <a:noFill/>
+        </p:spPr>
+        <p:txBody>
+          <a:bodyPr wrap="square" rtlCol="0">
+            <a:spAutoFit/>
+          </a:bodyPr>
+          <a:lstStyle/>
+          <a:p>
+            <a:r>
+              <a:rPr lang="en-US" altLang="ko-KR" sz="2400" dirty="0" smtClean="0">
+                <a:latin typeface="HY헤드라인M" pitchFamily="18" charset="-127"/>
+                <a:ea typeface="HY헤드라인M" pitchFamily="18" charset="-127"/>
+              </a:rPr>
+              <a:t>React </a:t>
+            </a:r>
+            <a:r>
+              <a:rPr lang="ko-KR" altLang="en-US" sz="2400" dirty="0" smtClean="0">
+                <a:latin typeface="HY헤드라인M" pitchFamily="18" charset="-127"/>
+                <a:ea typeface="HY헤드라인M" pitchFamily="18" charset="-127"/>
+              </a:rPr>
+              <a:t>특징</a:t>
+            </a:r>
+            <a:endParaRPr lang="ko-KR" altLang="en-US" sz="2400" dirty="0">
+              <a:latin typeface="HY헤드라인M" pitchFamily="18" charset="-127"/>
+              <a:ea typeface="HY헤드라인M" pitchFamily="18" charset="-127"/>
+            </a:endParaRPr>
+          </a:p>
+        </p:txBody>
+      </p:sp>
+      <p:pic>
+        <p:nvPicPr>
+          <p:cNvPr id="2" name="그림 1"/>
+          <p:cNvPicPr>
+            <a:picLocks noChangeAspect="1"/>
+          </p:cNvPicPr>
+          <p:nvPr/>
+        </p:nvPicPr>
+        <p:blipFill>
+          <a:blip r:embed="rId2" cstate="print">
+            <a:extLst>
+              <a:ext uri="{28A0092B-C50C-407E-A947-70E740481C1C}">
+                <a14:useLocalDpi xmlns:a14="http://schemas.microsoft.com/office/drawing/2010/main" val="0"/>
+              </a:ext>
+            </a:extLst>
+          </a:blip>
+          <a:stretch>
+            <a:fillRect/>
+          </a:stretch>
+        </p:blipFill>
+        <p:spPr>
+          <a:xfrm>
+            <a:off x="7596744" y="2925352"/>
+            <a:ext cx="71600" cy="71600"/>
+          </a:xfrm>
+          <a:prstGeom prst="rect">
+            <a:avLst/>
+          </a:prstGeom>
+        </p:spPr>
+      </p:pic>
+      <p:sp>
+        <p:nvSpPr>
+          <p:cNvPr id="5" name="모서리가 둥근 직사각형 4"/>
+          <p:cNvSpPr/>
+          <p:nvPr/>
+        </p:nvSpPr>
+        <p:spPr>
+          <a:xfrm>
+            <a:off x="439982" y="1196752"/>
+            <a:ext cx="8164465" cy="5345844"/>
+          </a:xfrm>
+          <a:prstGeom prst="roundRect">
+            <a:avLst>
+              <a:gd name="adj" fmla="val 8134"/>
+            </a:avLst>
+          </a:prstGeom>
+          <a:ln/>
+        </p:spPr>
+        <p:style>
+          <a:lnRef idx="2">
+            <a:schemeClr val="accent1"/>
+          </a:lnRef>
+          <a:fillRef idx="1">
+            <a:schemeClr val="lt1"/>
+          </a:fillRef>
+          <a:effectRef idx="0">
+            <a:schemeClr val="accent1"/>
+          </a:effectRef>
+          <a:fontRef idx="minor">
+            <a:schemeClr val="dk1"/>
+          </a:fontRef>
+        </p:style>
+        <p:txBody>
+          <a:bodyPr rtlCol="0" anchor="t"/>
+          <a:lstStyle/>
+          <a:p>
+            <a:pPr marL="285750" indent="-285750">
+              <a:lnSpc>
+                <a:spcPct val="150000"/>
+              </a:lnSpc>
+              <a:buFont typeface="Wingdings" panose="05000000000000000000" pitchFamily="2" charset="2"/>
+              <a:buChar char="Ø"/>
+            </a:pPr>
+            <a:r>
+              <a:rPr lang="en-US" altLang="ko-KR" dirty="0" err="1" smtClean="0">
+                <a:solidFill>
+                  <a:srgbClr val="0000FF"/>
+                </a:solidFill>
+                <a:latin typeface="+mn-ea"/>
+              </a:rPr>
+              <a:t>src</a:t>
+            </a:r>
+            <a:r>
+              <a:rPr lang="en-US" altLang="ko-KR" dirty="0" smtClean="0">
+                <a:solidFill>
+                  <a:srgbClr val="0000FF"/>
+                </a:solidFill>
+                <a:latin typeface="+mn-ea"/>
+              </a:rPr>
+              <a:t> </a:t>
+            </a:r>
+            <a:r>
+              <a:rPr lang="ko-KR" altLang="en-US" dirty="0">
+                <a:solidFill>
+                  <a:srgbClr val="0000FF"/>
+                </a:solidFill>
+                <a:latin typeface="+mn-ea"/>
+              </a:rPr>
+              <a:t>폴더</a:t>
+            </a:r>
+            <a:endParaRPr lang="en-US" altLang="ko-KR" dirty="0">
+              <a:solidFill>
+                <a:srgbClr val="0000FF"/>
+              </a:solidFill>
+              <a:latin typeface="+mn-ea"/>
+            </a:endParaRPr>
+          </a:p>
+          <a:p>
+            <a:pPr marL="742950" lvl="1" indent="-285750" latinLnBrk="0">
+              <a:lnSpc>
+                <a:spcPct val="150000"/>
+              </a:lnSpc>
+              <a:buFont typeface="Arial" panose="020B0604020202020204" pitchFamily="34" charset="0"/>
+              <a:buChar char="•"/>
+            </a:pPr>
+            <a:r>
+              <a:rPr lang="en-US" altLang="ko-KR" sz="1400" dirty="0"/>
+              <a:t>c </a:t>
+            </a:r>
+            <a:r>
+              <a:rPr lang="ko-KR" altLang="en-US" sz="1400" dirty="0"/>
+              <a:t>폴더 바깥에 있는 파일을 </a:t>
+            </a:r>
+            <a:r>
+              <a:rPr lang="en-US" altLang="ko-KR" sz="1400" dirty="0"/>
+              <a:t>import </a:t>
+            </a:r>
+            <a:r>
+              <a:rPr lang="ko-KR" altLang="en-US" sz="1400" dirty="0"/>
+              <a:t>키워드를 이용해서 가져오려고 하면 실패한다</a:t>
+            </a:r>
+            <a:r>
+              <a:rPr lang="en-US" altLang="ko-KR" sz="1400" dirty="0"/>
+              <a:t>. </a:t>
+            </a:r>
+          </a:p>
+          <a:p>
+            <a:pPr marL="285750" indent="-285750">
+              <a:lnSpc>
+                <a:spcPct val="150000"/>
+              </a:lnSpc>
+              <a:buFont typeface="Wingdings" panose="05000000000000000000" pitchFamily="2" charset="2"/>
+              <a:buChar char="Ø"/>
+            </a:pPr>
+            <a:endParaRPr lang="en-US" altLang="ko-KR" dirty="0" smtClean="0">
+              <a:solidFill>
+                <a:srgbClr val="0000FF"/>
+              </a:solidFill>
+              <a:latin typeface="+mn-ea"/>
+            </a:endParaRPr>
+          </a:p>
+          <a:p>
+            <a:pPr marL="285750" indent="-285750">
+              <a:lnSpc>
+                <a:spcPct val="150000"/>
+              </a:lnSpc>
+              <a:buFont typeface="Wingdings" panose="05000000000000000000" pitchFamily="2" charset="2"/>
+              <a:buChar char="Ø"/>
+            </a:pPr>
+            <a:r>
+              <a:rPr lang="en-US" altLang="ko-KR" dirty="0" smtClean="0">
+                <a:solidFill>
+                  <a:srgbClr val="0000FF"/>
+                </a:solidFill>
+                <a:latin typeface="+mn-ea"/>
+              </a:rPr>
+              <a:t>next.js</a:t>
+            </a:r>
+            <a:endParaRPr lang="en-US" altLang="ko-KR" sz="1400" dirty="0" smtClean="0"/>
+          </a:p>
+          <a:p>
+            <a:pPr marL="742950" lvl="1" indent="-285750" latinLnBrk="0">
+              <a:lnSpc>
+                <a:spcPct val="150000"/>
+              </a:lnSpc>
+              <a:buFont typeface="Arial" panose="020B0604020202020204" pitchFamily="34" charset="0"/>
+              <a:buChar char="•"/>
+            </a:pPr>
+            <a:r>
+              <a:rPr lang="ko-KR" altLang="en-US" sz="1400" dirty="0"/>
+              <a:t>검색 엔진 최적화가 중요하다면 </a:t>
+            </a:r>
+            <a:r>
+              <a:rPr lang="en-US" altLang="ko-KR" sz="1400" dirty="0"/>
+              <a:t>create-react-app </a:t>
+            </a:r>
+            <a:r>
+              <a:rPr lang="ko-KR" altLang="en-US" sz="1400" dirty="0"/>
+              <a:t>보다는 서버사이드 렌더링에 특화된 </a:t>
+            </a:r>
+            <a:r>
+              <a:rPr lang="en-US" altLang="ko-KR" sz="1400" dirty="0"/>
+              <a:t>next.js</a:t>
+            </a:r>
+            <a:r>
+              <a:rPr lang="ko-KR" altLang="en-US" sz="1400" dirty="0"/>
+              <a:t>를 사용하는게 좋다</a:t>
+            </a:r>
+            <a:r>
+              <a:rPr lang="en-US" altLang="ko-KR" sz="1400" dirty="0" smtClean="0"/>
+              <a:t>.</a:t>
+            </a:r>
+          </a:p>
+          <a:p>
+            <a:pPr marL="742950" lvl="1" indent="-285750" latinLnBrk="0">
+              <a:lnSpc>
+                <a:spcPct val="150000"/>
+              </a:lnSpc>
+              <a:buFont typeface="Arial" panose="020B0604020202020204" pitchFamily="34" charset="0"/>
+              <a:buChar char="•"/>
+            </a:pPr>
+            <a:endParaRPr lang="en-US" altLang="ko-KR" sz="1400" dirty="0"/>
+          </a:p>
+          <a:p>
+            <a:pPr marL="285750" indent="-285750">
+              <a:lnSpc>
+                <a:spcPct val="150000"/>
+              </a:lnSpc>
+              <a:buFont typeface="Wingdings" panose="05000000000000000000" pitchFamily="2" charset="2"/>
+              <a:buChar char="Ø"/>
+            </a:pPr>
+            <a:r>
+              <a:rPr lang="en-US" altLang="ko-KR" dirty="0" smtClean="0">
+                <a:solidFill>
+                  <a:srgbClr val="0000FF"/>
+                </a:solidFill>
+                <a:latin typeface="+mn-ea"/>
+              </a:rPr>
+              <a:t>PWA (Progressive Web App)</a:t>
+            </a:r>
+            <a:endParaRPr lang="en-US" altLang="ko-KR" dirty="0">
+              <a:solidFill>
+                <a:srgbClr val="0000FF"/>
+              </a:solidFill>
+              <a:latin typeface="+mn-ea"/>
+            </a:endParaRPr>
+          </a:p>
+          <a:p>
+            <a:pPr marL="742950" lvl="1" indent="-285750" latinLnBrk="0">
+              <a:lnSpc>
+                <a:spcPct val="150000"/>
+              </a:lnSpc>
+              <a:buFont typeface="Arial" panose="020B0604020202020204" pitchFamily="34" charset="0"/>
+              <a:buChar char="•"/>
+            </a:pPr>
+            <a:r>
+              <a:rPr lang="en-US" altLang="ko-KR" sz="1400" dirty="0" smtClean="0"/>
+              <a:t>serviceWorker.js : PWA</a:t>
+            </a:r>
+            <a:r>
+              <a:rPr lang="ko-KR" altLang="en-US" sz="1400" dirty="0" smtClean="0"/>
+              <a:t> 관련 </a:t>
+            </a:r>
+            <a:r>
+              <a:rPr lang="ko-KR" altLang="en-US" sz="1400" dirty="0"/>
+              <a:t>코드가 들어 있다</a:t>
+            </a:r>
+            <a:r>
+              <a:rPr lang="en-US" altLang="ko-KR" sz="1400" dirty="0"/>
+              <a:t>.</a:t>
+            </a:r>
+          </a:p>
+          <a:p>
+            <a:pPr marL="742950" lvl="1" indent="-285750" latinLnBrk="0">
+              <a:lnSpc>
+                <a:spcPct val="150000"/>
+              </a:lnSpc>
+              <a:buFont typeface="Arial" panose="020B0604020202020204" pitchFamily="34" charset="0"/>
+              <a:buChar char="•"/>
+            </a:pPr>
+            <a:endParaRPr lang="en-US" altLang="ko-KR" sz="1400" dirty="0"/>
+          </a:p>
+          <a:p>
+            <a:pPr marL="742950" lvl="1" indent="-285750" latinLnBrk="0">
+              <a:lnSpc>
+                <a:spcPct val="150000"/>
+              </a:lnSpc>
+              <a:buFont typeface="Arial" panose="020B0604020202020204" pitchFamily="34" charset="0"/>
+              <a:buChar char="•"/>
+            </a:pPr>
+            <a:endParaRPr lang="en-US" altLang="ko-KR" sz="1200" dirty="0" smtClean="0"/>
+          </a:p>
+        </p:txBody>
+      </p:sp>
+    </p:spTree>
+    <p:extLst>
+      <p:ext uri="{BB962C8B-B14F-4D97-AF65-F5344CB8AC3E}">
+        <p14:creationId xmlns:p14="http://schemas.microsoft.com/office/powerpoint/2010/main" val="1143338319"/>
+      </p:ext>
+    </p:extLst>
+  </p:cSld>
+  <p:clrMapOvr>
+    <a:masterClrMapping/>
+  </p:clrMapOvr>
+  <p:timing>
+    <p:tnLst>
+      <p:par>
+        <p:cTn id="1" dur="indefinite" restart="never" nodeType="tmRoot"/>
+      </p:par>
+    </p:tnLst>
+  </p:timing>
+</p:sld>
+</file>
+
+<file path=ppt/slides/slide9.xml><?xml version="1.0" encoding="utf-8"?>
+<p:sld xmlns:a="http://schemas.openxmlformats.org/drawingml/2006/main" xmlns:r="http://schemas.openxmlformats.org/officeDocument/2006/relationships" xmlns:p="http://schemas.openxmlformats.org/presentationml/2006/main">
+  <p:cSld>
+    <p:spTree>
+      <p:nvGrpSpPr>
+        <p:cNvPr id="1" name=""/>
+        <p:cNvGrpSpPr/>
+        <p:nvPr/>
+      </p:nvGrpSpPr>
+      <p:grpSpPr>
+        <a:xfrm>
+          <a:off x="0" y="0"/>
+          <a:ext cx="0" cy="0"/>
+          <a:chOff x="0" y="0"/>
+          <a:chExt cx="0" cy="0"/>
+        </a:xfrm>
+      </p:grpSpPr>
+      <p:sp>
+        <p:nvSpPr>
+          <p:cNvPr id="3" name="TextBox 2"/>
+          <p:cNvSpPr txBox="1"/>
+          <p:nvPr/>
+        </p:nvSpPr>
+        <p:spPr>
+          <a:xfrm>
+            <a:off x="548640" y="470346"/>
+            <a:ext cx="8055807" cy="461665"/>
+          </a:xfrm>
+          <a:prstGeom prst="rect">
+            <a:avLst/>
+          </a:prstGeom>
+          <a:noFill/>
+        </p:spPr>
+        <p:txBody>
+          <a:bodyPr wrap="square" rtlCol="0">
+            <a:spAutoFit/>
+          </a:bodyPr>
+          <a:lstStyle/>
+          <a:p>
+            <a:r>
+              <a:rPr lang="en-US" altLang="ko-KR" sz="2400" dirty="0" smtClean="0">
+                <a:latin typeface="HY헤드라인M" pitchFamily="18" charset="-127"/>
+                <a:ea typeface="HY헤드라인M" pitchFamily="18" charset="-127"/>
+              </a:rPr>
+              <a:t>React </a:t>
+            </a:r>
+            <a:r>
+              <a:rPr lang="ko-KR" altLang="en-US" sz="2400" dirty="0" smtClean="0">
+                <a:latin typeface="HY헤드라인M" pitchFamily="18" charset="-127"/>
+                <a:ea typeface="HY헤드라인M" pitchFamily="18" charset="-127"/>
+              </a:rPr>
+              <a:t>특징</a:t>
+            </a:r>
+            <a:endParaRPr lang="ko-KR" altLang="en-US" sz="2400" dirty="0">
+              <a:latin typeface="HY헤드라인M" pitchFamily="18" charset="-127"/>
+              <a:ea typeface="HY헤드라인M" pitchFamily="18" charset="-127"/>
+            </a:endParaRPr>
+          </a:p>
+        </p:txBody>
+      </p:sp>
+      <p:pic>
+        <p:nvPicPr>
+          <p:cNvPr id="2" name="그림 1"/>
+          <p:cNvPicPr>
+            <a:picLocks noChangeAspect="1"/>
+          </p:cNvPicPr>
+          <p:nvPr/>
+        </p:nvPicPr>
+        <p:blipFill>
+          <a:blip r:embed="rId2" cstate="print">
+            <a:extLst>
+              <a:ext uri="{28A0092B-C50C-407E-A947-70E740481C1C}">
+                <a14:useLocalDpi xmlns:a14="http://schemas.microsoft.com/office/drawing/2010/main" val="0"/>
+              </a:ext>
+            </a:extLst>
+          </a:blip>
+          <a:stretch>
+            <a:fillRect/>
+          </a:stretch>
+        </p:blipFill>
+        <p:spPr>
+          <a:xfrm>
+            <a:off x="7596744" y="2925352"/>
+            <a:ext cx="71600" cy="71600"/>
+          </a:xfrm>
+          <a:prstGeom prst="rect">
+            <a:avLst/>
+          </a:prstGeom>
+        </p:spPr>
+      </p:pic>
+      <p:sp>
+        <p:nvSpPr>
+          <p:cNvPr id="5" name="모서리가 둥근 직사각형 4"/>
+          <p:cNvSpPr/>
+          <p:nvPr/>
+        </p:nvSpPr>
+        <p:spPr>
+          <a:xfrm>
+            <a:off x="439982" y="1196752"/>
+            <a:ext cx="8164465" cy="5345844"/>
+          </a:xfrm>
+          <a:prstGeom prst="roundRect">
+            <a:avLst>
+              <a:gd name="adj" fmla="val 8134"/>
+            </a:avLst>
+          </a:prstGeom>
+          <a:ln/>
+        </p:spPr>
+        <p:style>
+          <a:lnRef idx="2">
+            <a:schemeClr val="accent1"/>
+          </a:lnRef>
+          <a:fillRef idx="1">
+            <a:schemeClr val="lt1"/>
+          </a:fillRef>
+          <a:effectRef idx="0">
+            <a:schemeClr val="accent1"/>
+          </a:effectRef>
+          <a:fontRef idx="minor">
+            <a:schemeClr val="dk1"/>
+          </a:fontRef>
+        </p:style>
+        <p:txBody>
+          <a:bodyPr rtlCol="0" anchor="t"/>
+          <a:lstStyle/>
+          <a:p>
+            <a:pPr marL="285750" indent="-285750">
+              <a:lnSpc>
+                <a:spcPct val="150000"/>
+              </a:lnSpc>
+              <a:buFont typeface="Wingdings" panose="05000000000000000000" pitchFamily="2" charset="2"/>
+              <a:buChar char="Ø"/>
+            </a:pPr>
+            <a:r>
+              <a:rPr lang="ko-KR" altLang="en-US" dirty="0" smtClean="0">
+                <a:solidFill>
+                  <a:srgbClr val="0000FF"/>
+                </a:solidFill>
+                <a:latin typeface="+mn-ea"/>
+              </a:rPr>
+              <a:t>코드 분할 하기 </a:t>
+            </a:r>
+            <a:r>
+              <a:rPr lang="en-US" altLang="ko-KR" dirty="0" smtClean="0">
+                <a:solidFill>
+                  <a:srgbClr val="0000FF"/>
+                </a:solidFill>
+                <a:latin typeface="+mn-ea"/>
+              </a:rPr>
+              <a:t>(Code Splitting)</a:t>
+            </a:r>
+            <a:endParaRPr lang="en-US" altLang="ko-KR" dirty="0">
+              <a:solidFill>
+                <a:srgbClr val="0000FF"/>
+              </a:solidFill>
+              <a:latin typeface="+mn-ea"/>
+            </a:endParaRPr>
+          </a:p>
+          <a:p>
+            <a:pPr marL="742950" lvl="1" indent="-285750" latinLnBrk="0">
+              <a:lnSpc>
+                <a:spcPct val="150000"/>
+              </a:lnSpc>
+              <a:buFont typeface="Arial" panose="020B0604020202020204" pitchFamily="34" charset="0"/>
+              <a:buChar char="•"/>
+            </a:pPr>
+            <a:r>
+              <a:rPr lang="ko-KR" altLang="en-US" sz="1400" dirty="0"/>
+              <a:t>코드 분할을 사용하지 않으면 전체 코드를 한 번에 내려 주기 때문에 첫 페이지가 뜨는 시간이 오래 걸린다</a:t>
+            </a:r>
+            <a:r>
+              <a:rPr lang="en-US" altLang="ko-KR" sz="1400" dirty="0" smtClean="0"/>
+              <a:t>.</a:t>
+            </a:r>
+          </a:p>
+          <a:p>
+            <a:pPr marL="742950" lvl="1" indent="-285750" latinLnBrk="0">
+              <a:lnSpc>
+                <a:spcPct val="150000"/>
+              </a:lnSpc>
+              <a:buFont typeface="Arial" panose="020B0604020202020204" pitchFamily="34" charset="0"/>
+              <a:buChar char="•"/>
+            </a:pPr>
+            <a:r>
+              <a:rPr lang="ko-KR" altLang="en-US" sz="1400" dirty="0" smtClean="0"/>
+              <a:t>동적 </a:t>
+            </a:r>
+            <a:r>
+              <a:rPr lang="ko-KR" altLang="en-US" sz="1400" dirty="0" err="1" smtClean="0"/>
+              <a:t>임포트</a:t>
+            </a:r>
+            <a:r>
+              <a:rPr lang="ko-KR" altLang="en-US" sz="1400" dirty="0" smtClean="0"/>
+              <a:t> </a:t>
+            </a:r>
+            <a:r>
+              <a:rPr lang="en-US" altLang="ko-KR" sz="1400" dirty="0" smtClean="0"/>
+              <a:t>(Dynamic Import)</a:t>
+            </a:r>
+          </a:p>
+          <a:p>
+            <a:pPr marL="742950" lvl="1" indent="-285750" latinLnBrk="0">
+              <a:lnSpc>
+                <a:spcPct val="150000"/>
+              </a:lnSpc>
+              <a:buFont typeface="Arial" panose="020B0604020202020204" pitchFamily="34" charset="0"/>
+              <a:buChar char="•"/>
+            </a:pPr>
+            <a:r>
+              <a:rPr lang="ko-KR" altLang="en-US" sz="1400" dirty="0" smtClean="0"/>
+              <a:t>라우팅 </a:t>
+            </a:r>
+            <a:r>
+              <a:rPr lang="en-US" altLang="ko-KR" sz="1400" dirty="0" smtClean="0"/>
+              <a:t>(Routing)</a:t>
+            </a:r>
+          </a:p>
+          <a:p>
+            <a:pPr marL="742950" lvl="1" indent="-285750" latinLnBrk="0">
+              <a:lnSpc>
+                <a:spcPct val="150000"/>
+              </a:lnSpc>
+              <a:buFont typeface="Arial" panose="020B0604020202020204" pitchFamily="34" charset="0"/>
+              <a:buChar char="•"/>
+            </a:pPr>
+            <a:endParaRPr lang="en-US" altLang="ko-KR" sz="1400" dirty="0" smtClean="0"/>
+          </a:p>
+          <a:p>
+            <a:pPr marL="285750" indent="-285750">
+              <a:lnSpc>
+                <a:spcPct val="150000"/>
+              </a:lnSpc>
+              <a:buFont typeface="Wingdings" panose="05000000000000000000" pitchFamily="2" charset="2"/>
+              <a:buChar char="Ø"/>
+            </a:pPr>
+            <a:r>
+              <a:rPr lang="ko-KR" altLang="en-US" dirty="0" err="1">
+                <a:solidFill>
+                  <a:srgbClr val="0000FF"/>
+                </a:solidFill>
+                <a:latin typeface="+mn-ea"/>
+              </a:rPr>
+              <a:t>폴리필</a:t>
+            </a:r>
+            <a:r>
+              <a:rPr lang="ko-KR" altLang="en-US" dirty="0">
+                <a:solidFill>
+                  <a:srgbClr val="0000FF"/>
+                </a:solidFill>
+                <a:latin typeface="+mn-ea"/>
+              </a:rPr>
+              <a:t> </a:t>
+            </a:r>
+            <a:r>
+              <a:rPr lang="en-US" altLang="ko-KR" dirty="0">
+                <a:solidFill>
+                  <a:srgbClr val="0000FF"/>
+                </a:solidFill>
+                <a:latin typeface="+mn-ea"/>
+              </a:rPr>
+              <a:t>(</a:t>
+            </a:r>
+            <a:r>
+              <a:rPr lang="en-US" altLang="ko-KR" dirty="0" err="1">
+                <a:solidFill>
+                  <a:srgbClr val="0000FF"/>
+                </a:solidFill>
+                <a:latin typeface="+mn-ea"/>
+              </a:rPr>
+              <a:t>Polyfill</a:t>
+            </a:r>
+            <a:r>
+              <a:rPr lang="en-US" altLang="ko-KR" dirty="0">
+                <a:solidFill>
+                  <a:srgbClr val="0000FF"/>
+                </a:solidFill>
+                <a:latin typeface="+mn-ea"/>
+              </a:rPr>
+              <a:t>)</a:t>
+            </a:r>
+          </a:p>
+          <a:p>
+            <a:pPr marL="742950" lvl="1" indent="-285750" latinLnBrk="0">
+              <a:lnSpc>
+                <a:spcPct val="150000"/>
+              </a:lnSpc>
+              <a:buFont typeface="Arial" panose="020B0604020202020204" pitchFamily="34" charset="0"/>
+              <a:buChar char="•"/>
+            </a:pPr>
+            <a:r>
+              <a:rPr lang="ko-KR" altLang="en-US" sz="1400" dirty="0"/>
+              <a:t>기능이 존재하는지 검사해서 그 기능이 없을 때만 주입하는 것을 </a:t>
+            </a:r>
+            <a:r>
+              <a:rPr lang="ko-KR" altLang="en-US" sz="1400" dirty="0" err="1"/>
+              <a:t>폴리필이이라고</a:t>
+            </a:r>
+            <a:r>
+              <a:rPr lang="ko-KR" altLang="en-US" sz="1400" dirty="0"/>
+              <a:t> 한다</a:t>
+            </a:r>
+            <a:r>
+              <a:rPr lang="en-US" altLang="ko-KR" sz="1400" dirty="0"/>
+              <a:t>.</a:t>
+            </a:r>
+          </a:p>
+          <a:p>
+            <a:pPr marL="742950" lvl="1" indent="-285750" latinLnBrk="0">
+              <a:lnSpc>
+                <a:spcPct val="150000"/>
+              </a:lnSpc>
+              <a:buFont typeface="Arial" panose="020B0604020202020204" pitchFamily="34" charset="0"/>
+              <a:buChar char="•"/>
+            </a:pPr>
+            <a:endParaRPr lang="en-US" altLang="ko-KR" sz="1400" dirty="0" smtClean="0"/>
+          </a:p>
+          <a:p>
+            <a:pPr marL="285750" indent="-285750">
+              <a:lnSpc>
+                <a:spcPct val="150000"/>
+              </a:lnSpc>
+              <a:buFont typeface="Wingdings" panose="05000000000000000000" pitchFamily="2" charset="2"/>
+              <a:buChar char="Ø"/>
+            </a:pPr>
+            <a:r>
+              <a:rPr lang="ko-KR" altLang="en-US" dirty="0" smtClean="0">
+                <a:solidFill>
+                  <a:srgbClr val="0000FF"/>
+                </a:solidFill>
+                <a:latin typeface="+mn-ea"/>
+              </a:rPr>
+              <a:t> 환경 변수 확인하기</a:t>
+            </a:r>
+            <a:endParaRPr lang="en-US" altLang="ko-KR" dirty="0">
+              <a:solidFill>
+                <a:srgbClr val="0000FF"/>
+              </a:solidFill>
+              <a:latin typeface="+mn-ea"/>
+            </a:endParaRPr>
+          </a:p>
+          <a:p>
+            <a:pPr marL="742950" lvl="1" indent="-285750" latinLnBrk="0">
+              <a:lnSpc>
+                <a:spcPct val="150000"/>
+              </a:lnSpc>
+              <a:buFont typeface="Arial" panose="020B0604020202020204" pitchFamily="34" charset="0"/>
+              <a:buChar char="•"/>
+            </a:pPr>
+            <a:r>
+              <a:rPr lang="en-US" altLang="ko-KR" sz="1400" dirty="0"/>
+              <a:t>create-react-app</a:t>
+            </a:r>
+            <a:r>
+              <a:rPr lang="ko-KR" altLang="en-US" sz="1400" dirty="0"/>
+              <a:t>에서는 </a:t>
+            </a:r>
+            <a:r>
+              <a:rPr lang="en-US" altLang="ko-KR" sz="1400" dirty="0" err="1" smtClean="0"/>
+              <a:t>autoprefixer</a:t>
+            </a:r>
+            <a:r>
+              <a:rPr lang="en-US" altLang="ko-KR" sz="1400" dirty="0" smtClean="0"/>
+              <a:t> </a:t>
+            </a:r>
+            <a:r>
+              <a:rPr lang="ko-KR" altLang="en-US" sz="1400" dirty="0"/>
+              <a:t>패키지를 통해서 벤더 접두사를 자동으로 붙인다</a:t>
+            </a:r>
+            <a:r>
+              <a:rPr lang="en-US" altLang="ko-KR" sz="1400" dirty="0" smtClean="0"/>
+              <a:t>.</a:t>
+            </a:r>
+            <a:endParaRPr lang="en-US" altLang="ko-KR" sz="1400" dirty="0"/>
+          </a:p>
+        </p:txBody>
+      </p:sp>
+    </p:spTree>
+    <p:extLst>
+      <p:ext uri="{BB962C8B-B14F-4D97-AF65-F5344CB8AC3E}">
+        <p14:creationId xmlns:p14="http://schemas.microsoft.com/office/powerpoint/2010/main" val="3317613982"/>
       </p:ext>
     </p:extLst>
   </p:cSld>
